--- a/PPT/AngularJS.pptx
+++ b/PPT/AngularJS.pptx
@@ -5,10 +5,10 @@
     <p:sldMasterId id="2147483648" r:id="rId1"/>
   </p:sldMasterIdLst>
   <p:notesMasterIdLst>
-    <p:notesMasterId r:id="rId9"/>
+    <p:notesMasterId r:id="rId11"/>
   </p:notesMasterIdLst>
   <p:handoutMasterIdLst>
-    <p:handoutMasterId r:id="rId10"/>
+    <p:handoutMasterId r:id="rId12"/>
   </p:handoutMasterIdLst>
   <p:sldIdLst>
     <p:sldId id="256" r:id="rId2"/>
@@ -18,6 +18,8 @@
     <p:sldId id="260" r:id="rId6"/>
     <p:sldId id="261" r:id="rId7"/>
     <p:sldId id="262" r:id="rId8"/>
+    <p:sldId id="263" r:id="rId9"/>
+    <p:sldId id="264" r:id="rId10"/>
   </p:sldIdLst>
   <p:sldSz cx="12192000" cy="6858000"/>
   <p:notesSz cx="6858000" cy="9144000"/>
@@ -251,7 +253,7 @@
           <a:p>
             <a:fld id="{19584E2E-1566-44D8-B819-47C38A71787C}" type="datetimeFigureOut">
               <a:rPr lang="zh-CN" altLang="en-US" smtClean="0"/>
-              <a:t>2017/5/27</a:t>
+              <a:t>2017/5/31</a:t>
             </a:fld>
             <a:endParaRPr lang="zh-CN" altLang="en-US"/>
           </a:p>
@@ -385,14 +387,14 @@
           <a:effectLst/>
           <a:extLst>
             <a:ext uri="{909E8E84-426E-40dd-AFC4-6F175D3DCCD1}">
-              <a14:hiddenFill xmlns="" xmlns:a14="http://schemas.microsoft.com/office/drawing/2010/main">
+              <a14:hiddenFill xmlns:a14="http://schemas.microsoft.com/office/drawing/2010/main" xmlns="">
                 <a:solidFill>
                   <a:schemeClr val="accent1"/>
                 </a:solidFill>
               </a14:hiddenFill>
             </a:ext>
             <a:ext uri="{91240B29-F687-4f45-9708-019B960494DF}">
-              <a14:hiddenLine xmlns="" xmlns:a14="http://schemas.microsoft.com/office/drawing/2010/main" w="9525">
+              <a14:hiddenLine xmlns:a14="http://schemas.microsoft.com/office/drawing/2010/main" xmlns="" w="9525">
                 <a:solidFill>
                   <a:schemeClr val="tx1"/>
                 </a:solidFill>
@@ -402,7 +404,7 @@
               </a14:hiddenLine>
             </a:ext>
             <a:ext uri="{AF507438-7753-43e0-B8FC-AC1667EBCBE1}">
-              <a14:hiddenEffects xmlns="" xmlns:a14="http://schemas.microsoft.com/office/drawing/2010/main">
+              <a14:hiddenEffects xmlns:a14="http://schemas.microsoft.com/office/drawing/2010/main" xmlns="">
                 <a:effectLst>
                   <a:outerShdw dist="35921" dir="2700000" algn="ctr" rotWithShape="0">
                     <a:schemeClr val="bg2"/>
@@ -453,14 +455,14 @@
           <a:effectLst/>
           <a:extLst>
             <a:ext uri="{909E8E84-426E-40dd-AFC4-6F175D3DCCD1}">
-              <a14:hiddenFill xmlns="" xmlns:a14="http://schemas.microsoft.com/office/drawing/2010/main">
+              <a14:hiddenFill xmlns:a14="http://schemas.microsoft.com/office/drawing/2010/main" xmlns="">
                 <a:solidFill>
                   <a:schemeClr val="accent1"/>
                 </a:solidFill>
               </a14:hiddenFill>
             </a:ext>
             <a:ext uri="{91240B29-F687-4f45-9708-019B960494DF}">
-              <a14:hiddenLine xmlns="" xmlns:a14="http://schemas.microsoft.com/office/drawing/2010/main" w="9525">
+              <a14:hiddenLine xmlns:a14="http://schemas.microsoft.com/office/drawing/2010/main" xmlns="" w="9525">
                 <a:solidFill>
                   <a:schemeClr val="tx1"/>
                 </a:solidFill>
@@ -470,7 +472,7 @@
               </a14:hiddenLine>
             </a:ext>
             <a:ext uri="{AF507438-7753-43e0-B8FC-AC1667EBCBE1}">
-              <a14:hiddenEffects xmlns="" xmlns:a14="http://schemas.microsoft.com/office/drawing/2010/main">
+              <a14:hiddenEffects xmlns:a14="http://schemas.microsoft.com/office/drawing/2010/main" xmlns="">
                 <a:effectLst>
                   <a:outerShdw dist="35921" dir="2700000" algn="ctr" rotWithShape="0">
                     <a:schemeClr val="bg2"/>
@@ -526,7 +528,7 @@
           <a:effectLst/>
           <a:extLst>
             <a:ext uri="{AF507438-7753-43e0-B8FC-AC1667EBCBE1}">
-              <a14:hiddenEffects xmlns="" xmlns:a14="http://schemas.microsoft.com/office/drawing/2010/main">
+              <a14:hiddenEffects xmlns:a14="http://schemas.microsoft.com/office/drawing/2010/main" xmlns="">
                 <a:effectLst>
                   <a:outerShdw dist="35921" dir="2700000" algn="ctr" rotWithShape="0">
                     <a:srgbClr val="808080"/>
@@ -535,7 +537,7 @@
               </a14:hiddenEffects>
             </a:ext>
             <a:ext uri="{53640926-AAD7-44d8-BBD7-CCE9431645EC}">
-              <a14:shadowObscured xmlns="" xmlns:a14="http://schemas.microsoft.com/office/drawing/2010/main" val="1"/>
+              <a14:shadowObscured xmlns:a14="http://schemas.microsoft.com/office/drawing/2010/main" xmlns="" val="1"/>
             </a:ext>
           </a:extLst>
         </p:spPr>
@@ -565,14 +567,14 @@
           <a:effectLst/>
           <a:extLst>
             <a:ext uri="{909E8E84-426E-40dd-AFC4-6F175D3DCCD1}">
-              <a14:hiddenFill xmlns="" xmlns:a14="http://schemas.microsoft.com/office/drawing/2010/main">
+              <a14:hiddenFill xmlns:a14="http://schemas.microsoft.com/office/drawing/2010/main" xmlns="">
                 <a:solidFill>
                   <a:schemeClr val="accent1"/>
                 </a:solidFill>
               </a14:hiddenFill>
             </a:ext>
             <a:ext uri="{91240B29-F687-4f45-9708-019B960494DF}">
-              <a14:hiddenLine xmlns="" xmlns:a14="http://schemas.microsoft.com/office/drawing/2010/main" w="9525">
+              <a14:hiddenLine xmlns:a14="http://schemas.microsoft.com/office/drawing/2010/main" xmlns="" w="9525">
                 <a:solidFill>
                   <a:schemeClr val="tx1"/>
                 </a:solidFill>
@@ -582,7 +584,7 @@
               </a14:hiddenLine>
             </a:ext>
             <a:ext uri="{AF507438-7753-43e0-B8FC-AC1667EBCBE1}">
-              <a14:hiddenEffects xmlns="" xmlns:a14="http://schemas.microsoft.com/office/drawing/2010/main">
+              <a14:hiddenEffects xmlns:a14="http://schemas.microsoft.com/office/drawing/2010/main" xmlns="">
                 <a:effectLst>
                   <a:outerShdw dist="35921" dir="2700000" algn="ctr" rotWithShape="0">
                     <a:schemeClr val="bg2"/>
@@ -661,14 +663,14 @@
           <a:effectLst/>
           <a:extLst>
             <a:ext uri="{909E8E84-426E-40dd-AFC4-6F175D3DCCD1}">
-              <a14:hiddenFill xmlns="" xmlns:a14="http://schemas.microsoft.com/office/drawing/2010/main">
+              <a14:hiddenFill xmlns:a14="http://schemas.microsoft.com/office/drawing/2010/main" xmlns="">
                 <a:solidFill>
                   <a:schemeClr val="accent1"/>
                 </a:solidFill>
               </a14:hiddenFill>
             </a:ext>
             <a:ext uri="{91240B29-F687-4f45-9708-019B960494DF}">
-              <a14:hiddenLine xmlns="" xmlns:a14="http://schemas.microsoft.com/office/drawing/2010/main" w="9525">
+              <a14:hiddenLine xmlns:a14="http://schemas.microsoft.com/office/drawing/2010/main" xmlns="" w="9525">
                 <a:solidFill>
                   <a:schemeClr val="tx1"/>
                 </a:solidFill>
@@ -678,7 +680,7 @@
               </a14:hiddenLine>
             </a:ext>
             <a:ext uri="{AF507438-7753-43e0-B8FC-AC1667EBCBE1}">
-              <a14:hiddenEffects xmlns="" xmlns:a14="http://schemas.microsoft.com/office/drawing/2010/main">
+              <a14:hiddenEffects xmlns:a14="http://schemas.microsoft.com/office/drawing/2010/main" xmlns="">
                 <a:effectLst>
                   <a:outerShdw dist="35921" dir="2700000" algn="ctr" rotWithShape="0">
                     <a:schemeClr val="bg2"/>
@@ -729,14 +731,14 @@
           <a:effectLst/>
           <a:extLst>
             <a:ext uri="{909E8E84-426E-40dd-AFC4-6F175D3DCCD1}">
-              <a14:hiddenFill xmlns="" xmlns:a14="http://schemas.microsoft.com/office/drawing/2010/main">
+              <a14:hiddenFill xmlns:a14="http://schemas.microsoft.com/office/drawing/2010/main" xmlns="">
                 <a:solidFill>
                   <a:schemeClr val="accent1"/>
                 </a:solidFill>
               </a14:hiddenFill>
             </a:ext>
             <a:ext uri="{91240B29-F687-4f45-9708-019B960494DF}">
-              <a14:hiddenLine xmlns="" xmlns:a14="http://schemas.microsoft.com/office/drawing/2010/main" w="9525">
+              <a14:hiddenLine xmlns:a14="http://schemas.microsoft.com/office/drawing/2010/main" xmlns="" w="9525">
                 <a:solidFill>
                   <a:schemeClr val="tx1"/>
                 </a:solidFill>
@@ -746,7 +748,7 @@
               </a14:hiddenLine>
             </a:ext>
             <a:ext uri="{AF507438-7753-43e0-B8FC-AC1667EBCBE1}">
-              <a14:hiddenEffects xmlns="" xmlns:a14="http://schemas.microsoft.com/office/drawing/2010/main">
+              <a14:hiddenEffects xmlns:a14="http://schemas.microsoft.com/office/drawing/2010/main" xmlns="">
                 <a:effectLst>
                   <a:outerShdw dist="35921" dir="2700000" algn="ctr" rotWithShape="0">
                     <a:schemeClr val="bg2"/>
@@ -955,7 +957,7 @@
           <a:effectLst/>
           <a:extLst>
             <a:ext uri="{91240B29-F687-4f45-9708-019B960494DF}">
-              <a14:hiddenLine xmlns="" xmlns:a14="http://schemas.microsoft.com/office/drawing/2010/main" w="9525">
+              <a14:hiddenLine xmlns:a14="http://schemas.microsoft.com/office/drawing/2010/main" xmlns="" w="9525">
                 <a:solidFill>
                   <a:schemeClr val="tx1"/>
                 </a:solidFill>
@@ -965,7 +967,7 @@
               </a14:hiddenLine>
             </a:ext>
             <a:ext uri="{AF507438-7753-43e0-B8FC-AC1667EBCBE1}">
-              <a14:hiddenEffects xmlns="" xmlns:a14="http://schemas.microsoft.com/office/drawing/2010/main">
+              <a14:hiddenEffects xmlns:a14="http://schemas.microsoft.com/office/drawing/2010/main" xmlns="">
                 <a:effectLst>
                   <a:outerShdw dist="35921" dir="2700000" algn="ctr" rotWithShape="0">
                     <a:schemeClr val="bg2"/>
@@ -1012,7 +1014,7 @@
           <a:effectLst/>
           <a:extLst>
             <a:ext uri="{91240B29-F687-4f45-9708-019B960494DF}">
-              <a14:hiddenLine xmlns="" xmlns:a14="http://schemas.microsoft.com/office/drawing/2010/main" w="9525">
+              <a14:hiddenLine xmlns:a14="http://schemas.microsoft.com/office/drawing/2010/main" xmlns="" w="9525">
                 <a:solidFill>
                   <a:schemeClr val="tx1"/>
                 </a:solidFill>
@@ -1022,7 +1024,7 @@
               </a14:hiddenLine>
             </a:ext>
             <a:ext uri="{AF507438-7753-43e0-B8FC-AC1667EBCBE1}">
-              <a14:hiddenEffects xmlns="" xmlns:a14="http://schemas.microsoft.com/office/drawing/2010/main">
+              <a14:hiddenEffects xmlns:a14="http://schemas.microsoft.com/office/drawing/2010/main" xmlns="">
                 <a:effectLst>
                   <a:outerShdw dist="35921" dir="2700000" algn="ctr" rotWithShape="0">
                     <a:schemeClr val="bg2"/>
@@ -1069,7 +1071,7 @@
           <a:effectLst/>
           <a:extLst>
             <a:ext uri="{91240B29-F687-4f45-9708-019B960494DF}">
-              <a14:hiddenLine xmlns="" xmlns:a14="http://schemas.microsoft.com/office/drawing/2010/main" w="9525">
+              <a14:hiddenLine xmlns:a14="http://schemas.microsoft.com/office/drawing/2010/main" xmlns="" w="9525">
                 <a:solidFill>
                   <a:schemeClr val="tx1"/>
                 </a:solidFill>
@@ -1079,7 +1081,7 @@
               </a14:hiddenLine>
             </a:ext>
             <a:ext uri="{AF507438-7753-43e0-B8FC-AC1667EBCBE1}">
-              <a14:hiddenEffects xmlns="" xmlns:a14="http://schemas.microsoft.com/office/drawing/2010/main">
+              <a14:hiddenEffects xmlns:a14="http://schemas.microsoft.com/office/drawing/2010/main" xmlns="">
                 <a:effectLst>
                   <a:outerShdw dist="35921" dir="2700000" algn="ctr" rotWithShape="0">
                     <a:schemeClr val="bg2"/>
@@ -1122,7 +1124,7 @@
           <a:effectLst/>
           <a:extLst>
             <a:ext uri="{91240B29-F687-4f45-9708-019B960494DF}">
-              <a14:hiddenLine xmlns="" xmlns:a14="http://schemas.microsoft.com/office/drawing/2010/main" w="9525">
+              <a14:hiddenLine xmlns:a14="http://schemas.microsoft.com/office/drawing/2010/main" xmlns="" w="9525">
                 <a:solidFill>
                   <a:schemeClr val="tx1"/>
                 </a:solidFill>
@@ -1132,7 +1134,7 @@
               </a14:hiddenLine>
             </a:ext>
             <a:ext uri="{AF507438-7753-43e0-B8FC-AC1667EBCBE1}">
-              <a14:hiddenEffects xmlns="" xmlns:a14="http://schemas.microsoft.com/office/drawing/2010/main">
+              <a14:hiddenEffects xmlns:a14="http://schemas.microsoft.com/office/drawing/2010/main" xmlns="">
                 <a:effectLst>
                   <a:outerShdw dist="35921" dir="2700000" algn="ctr" rotWithShape="0">
                     <a:schemeClr val="bg2"/>
@@ -1175,7 +1177,7 @@
           <a:effectLst/>
           <a:extLst>
             <a:ext uri="{91240B29-F687-4f45-9708-019B960494DF}">
-              <a14:hiddenLine xmlns="" xmlns:a14="http://schemas.microsoft.com/office/drawing/2010/main" w="9525">
+              <a14:hiddenLine xmlns:a14="http://schemas.microsoft.com/office/drawing/2010/main" xmlns="" w="9525">
                 <a:solidFill>
                   <a:schemeClr val="tx1"/>
                 </a:solidFill>
@@ -1185,7 +1187,7 @@
               </a14:hiddenLine>
             </a:ext>
             <a:ext uri="{AF507438-7753-43e0-B8FC-AC1667EBCBE1}">
-              <a14:hiddenEffects xmlns="" xmlns:a14="http://schemas.microsoft.com/office/drawing/2010/main">
+              <a14:hiddenEffects xmlns:a14="http://schemas.microsoft.com/office/drawing/2010/main" xmlns="">
                 <a:effectLst>
                   <a:outerShdw dist="35921" dir="2700000" algn="ctr" rotWithShape="0">
                     <a:schemeClr val="bg2"/>
@@ -1228,7 +1230,7 @@
           <a:effectLst/>
           <a:extLst>
             <a:ext uri="{91240B29-F687-4f45-9708-019B960494DF}">
-              <a14:hiddenLine xmlns="" xmlns:a14="http://schemas.microsoft.com/office/drawing/2010/main" w="9525">
+              <a14:hiddenLine xmlns:a14="http://schemas.microsoft.com/office/drawing/2010/main" xmlns="" w="9525">
                 <a:solidFill>
                   <a:schemeClr val="tx1"/>
                 </a:solidFill>
@@ -1238,7 +1240,7 @@
               </a14:hiddenLine>
             </a:ext>
             <a:ext uri="{AF507438-7753-43e0-B8FC-AC1667EBCBE1}">
-              <a14:hiddenEffects xmlns="" xmlns:a14="http://schemas.microsoft.com/office/drawing/2010/main">
+              <a14:hiddenEffects xmlns:a14="http://schemas.microsoft.com/office/drawing/2010/main" xmlns="">
                 <a:effectLst>
                   <a:outerShdw dist="35921" dir="2700000" algn="ctr" rotWithShape="0">
                     <a:schemeClr val="bg2"/>
@@ -1374,7 +1376,7 @@
             <a:effectLst/>
             <a:extLst>
               <a:ext uri="{91240B29-F687-4f45-9708-019B960494DF}">
-                <a14:hiddenLine xmlns="" xmlns:a14="http://schemas.microsoft.com/office/drawing/2010/main" w="9525">
+                <a14:hiddenLine xmlns:a14="http://schemas.microsoft.com/office/drawing/2010/main" xmlns="" w="9525">
                   <a:solidFill>
                     <a:schemeClr val="tx1"/>
                   </a:solidFill>
@@ -1384,7 +1386,7 @@
                 </a14:hiddenLine>
               </a:ext>
               <a:ext uri="{AF507438-7753-43e0-B8FC-AC1667EBCBE1}">
-                <a14:hiddenEffects xmlns="" xmlns:a14="http://schemas.microsoft.com/office/drawing/2010/main">
+                <a14:hiddenEffects xmlns:a14="http://schemas.microsoft.com/office/drawing/2010/main" xmlns="">
                   <a:effectLst>
                     <a:outerShdw dist="35921" dir="2700000" algn="ctr" rotWithShape="0">
                       <a:schemeClr val="bg2"/>
@@ -1504,7 +1506,7 @@
             <a:effectLst/>
             <a:extLst>
               <a:ext uri="{91240B29-F687-4f45-9708-019B960494DF}">
-                <a14:hiddenLine xmlns="" xmlns:a14="http://schemas.microsoft.com/office/drawing/2010/main" w="9525">
+                <a14:hiddenLine xmlns:a14="http://schemas.microsoft.com/office/drawing/2010/main" xmlns="" w="9525">
                   <a:solidFill>
                     <a:schemeClr val="tx1"/>
                   </a:solidFill>
@@ -1514,7 +1516,7 @@
                 </a14:hiddenLine>
               </a:ext>
               <a:ext uri="{AF507438-7753-43e0-B8FC-AC1667EBCBE1}">
-                <a14:hiddenEffects xmlns="" xmlns:a14="http://schemas.microsoft.com/office/drawing/2010/main">
+                <a14:hiddenEffects xmlns:a14="http://schemas.microsoft.com/office/drawing/2010/main" xmlns="">
                   <a:effectLst>
                     <a:outerShdw dist="35921" dir="2700000" algn="ctr" rotWithShape="0">
                       <a:schemeClr val="bg2"/>
@@ -1626,7 +1628,7 @@
             <a:effectLst/>
             <a:extLst>
               <a:ext uri="{91240B29-F687-4f45-9708-019B960494DF}">
-                <a14:hiddenLine xmlns="" xmlns:a14="http://schemas.microsoft.com/office/drawing/2010/main" w="9525">
+                <a14:hiddenLine xmlns:a14="http://schemas.microsoft.com/office/drawing/2010/main" xmlns="" w="9525">
                   <a:solidFill>
                     <a:schemeClr val="tx1"/>
                   </a:solidFill>
@@ -1636,7 +1638,7 @@
                 </a14:hiddenLine>
               </a:ext>
               <a:ext uri="{AF507438-7753-43e0-B8FC-AC1667EBCBE1}">
-                <a14:hiddenEffects xmlns="" xmlns:a14="http://schemas.microsoft.com/office/drawing/2010/main">
+                <a14:hiddenEffects xmlns:a14="http://schemas.microsoft.com/office/drawing/2010/main" xmlns="">
                   <a:effectLst>
                     <a:outerShdw dist="35921" dir="2700000" algn="ctr" rotWithShape="0">
                       <a:schemeClr val="bg2"/>
@@ -8490,7 +8492,7 @@
           <a:effectLst/>
           <a:extLst>
             <a:ext uri="{91240B29-F687-4f45-9708-019B960494DF}">
-              <a14:hiddenLine xmlns="" xmlns:a14="http://schemas.microsoft.com/office/drawing/2010/main" w="9525">
+              <a14:hiddenLine xmlns:a14="http://schemas.microsoft.com/office/drawing/2010/main" xmlns="" w="9525">
                 <a:solidFill>
                   <a:schemeClr val="tx1"/>
                 </a:solidFill>
@@ -8500,7 +8502,7 @@
               </a14:hiddenLine>
             </a:ext>
             <a:ext uri="{AF507438-7753-43e0-B8FC-AC1667EBCBE1}">
-              <a14:hiddenEffects xmlns="" xmlns:a14="http://schemas.microsoft.com/office/drawing/2010/main">
+              <a14:hiddenEffects xmlns:a14="http://schemas.microsoft.com/office/drawing/2010/main" xmlns="">
                 <a:effectLst>
                   <a:outerShdw dist="35921" dir="2700000" algn="ctr" rotWithShape="0">
                     <a:schemeClr val="bg2"/>
@@ -8543,7 +8545,7 @@
           <a:effectLst/>
           <a:extLst>
             <a:ext uri="{91240B29-F687-4f45-9708-019B960494DF}">
-              <a14:hiddenLine xmlns="" xmlns:a14="http://schemas.microsoft.com/office/drawing/2010/main" w="9525">
+              <a14:hiddenLine xmlns:a14="http://schemas.microsoft.com/office/drawing/2010/main" xmlns="" w="9525">
                 <a:solidFill>
                   <a:schemeClr val="tx1"/>
                 </a:solidFill>
@@ -8553,7 +8555,7 @@
               </a14:hiddenLine>
             </a:ext>
             <a:ext uri="{AF507438-7753-43e0-B8FC-AC1667EBCBE1}">
-              <a14:hiddenEffects xmlns="" xmlns:a14="http://schemas.microsoft.com/office/drawing/2010/main">
+              <a14:hiddenEffects xmlns:a14="http://schemas.microsoft.com/office/drawing/2010/main" xmlns="">
                 <a:effectLst>
                   <a:outerShdw dist="35921" dir="2700000" algn="ctr" rotWithShape="0">
                     <a:schemeClr val="bg2"/>
@@ -8689,7 +8691,7 @@
             <a:effectLst/>
             <a:extLst>
               <a:ext uri="{91240B29-F687-4f45-9708-019B960494DF}">
-                <a14:hiddenLine xmlns="" xmlns:a14="http://schemas.microsoft.com/office/drawing/2010/main" w="9525">
+                <a14:hiddenLine xmlns:a14="http://schemas.microsoft.com/office/drawing/2010/main" xmlns="" w="9525">
                   <a:solidFill>
                     <a:schemeClr val="tx1"/>
                   </a:solidFill>
@@ -8699,7 +8701,7 @@
                 </a14:hiddenLine>
               </a:ext>
               <a:ext uri="{AF507438-7753-43e0-B8FC-AC1667EBCBE1}">
-                <a14:hiddenEffects xmlns="" xmlns:a14="http://schemas.microsoft.com/office/drawing/2010/main">
+                <a14:hiddenEffects xmlns:a14="http://schemas.microsoft.com/office/drawing/2010/main" xmlns="">
                   <a:effectLst>
                     <a:outerShdw dist="35921" dir="2700000" algn="ctr" rotWithShape="0">
                       <a:schemeClr val="bg2"/>
@@ -8809,7 +8811,7 @@
             <a:effectLst/>
             <a:extLst>
               <a:ext uri="{91240B29-F687-4f45-9708-019B960494DF}">
-                <a14:hiddenLine xmlns="" xmlns:a14="http://schemas.microsoft.com/office/drawing/2010/main" w="9525">
+                <a14:hiddenLine xmlns:a14="http://schemas.microsoft.com/office/drawing/2010/main" xmlns="" w="9525">
                   <a:solidFill>
                     <a:schemeClr val="tx1"/>
                   </a:solidFill>
@@ -8819,7 +8821,7 @@
                 </a14:hiddenLine>
               </a:ext>
               <a:ext uri="{AF507438-7753-43e0-B8FC-AC1667EBCBE1}">
-                <a14:hiddenEffects xmlns="" xmlns:a14="http://schemas.microsoft.com/office/drawing/2010/main">
+                <a14:hiddenEffects xmlns:a14="http://schemas.microsoft.com/office/drawing/2010/main" xmlns="">
                   <a:effectLst>
                     <a:outerShdw dist="35921" dir="2700000" algn="ctr" rotWithShape="0">
                       <a:schemeClr val="bg2"/>
@@ -8931,7 +8933,7 @@
             <a:effectLst/>
             <a:extLst>
               <a:ext uri="{91240B29-F687-4f45-9708-019B960494DF}">
-                <a14:hiddenLine xmlns="" xmlns:a14="http://schemas.microsoft.com/office/drawing/2010/main" w="9525">
+                <a14:hiddenLine xmlns:a14="http://schemas.microsoft.com/office/drawing/2010/main" xmlns="" w="9525">
                   <a:solidFill>
                     <a:schemeClr val="tx1"/>
                   </a:solidFill>
@@ -8941,7 +8943,7 @@
                 </a14:hiddenLine>
               </a:ext>
               <a:ext uri="{AF507438-7753-43e0-B8FC-AC1667EBCBE1}">
-                <a14:hiddenEffects xmlns="" xmlns:a14="http://schemas.microsoft.com/office/drawing/2010/main">
+                <a14:hiddenEffects xmlns:a14="http://schemas.microsoft.com/office/drawing/2010/main" xmlns="">
                   <a:effectLst>
                     <a:outerShdw dist="35921" dir="2700000" algn="ctr" rotWithShape="0">
                       <a:schemeClr val="bg2"/>
@@ -8985,7 +8987,7 @@
           <a:effectLst/>
           <a:extLst>
             <a:ext uri="{91240B29-F687-4f45-9708-019B960494DF}">
-              <a14:hiddenLine xmlns="" xmlns:a14="http://schemas.microsoft.com/office/drawing/2010/main" w="9525">
+              <a14:hiddenLine xmlns:a14="http://schemas.microsoft.com/office/drawing/2010/main" xmlns="" w="9525">
                 <a:solidFill>
                   <a:schemeClr val="tx1"/>
                 </a:solidFill>
@@ -8995,7 +8997,7 @@
               </a14:hiddenLine>
             </a:ext>
             <a:ext uri="{AF507438-7753-43e0-B8FC-AC1667EBCBE1}">
-              <a14:hiddenEffects xmlns="" xmlns:a14="http://schemas.microsoft.com/office/drawing/2010/main">
+              <a14:hiddenEffects xmlns:a14="http://schemas.microsoft.com/office/drawing/2010/main" xmlns="">
                 <a:effectLst>
                   <a:outerShdw dist="35921" dir="2700000" algn="ctr" rotWithShape="0">
                     <a:schemeClr val="bg2"/>
@@ -9042,7 +9044,7 @@
           <a:effectLst/>
           <a:extLst>
             <a:ext uri="{91240B29-F687-4f45-9708-019B960494DF}">
-              <a14:hiddenLine xmlns="" xmlns:a14="http://schemas.microsoft.com/office/drawing/2010/main" w="9525">
+              <a14:hiddenLine xmlns:a14="http://schemas.microsoft.com/office/drawing/2010/main" xmlns="" w="9525">
                 <a:solidFill>
                   <a:schemeClr val="tx1"/>
                 </a:solidFill>
@@ -9052,7 +9054,7 @@
               </a14:hiddenLine>
             </a:ext>
             <a:ext uri="{AF507438-7753-43e0-B8FC-AC1667EBCBE1}">
-              <a14:hiddenEffects xmlns="" xmlns:a14="http://schemas.microsoft.com/office/drawing/2010/main">
+              <a14:hiddenEffects xmlns:a14="http://schemas.microsoft.com/office/drawing/2010/main" xmlns="">
                 <a:effectLst>
                   <a:outerShdw dist="35921" dir="2700000" algn="ctr" rotWithShape="0">
                     <a:schemeClr val="bg2"/>
@@ -9099,7 +9101,7 @@
           <a:effectLst/>
           <a:extLst>
             <a:ext uri="{91240B29-F687-4f45-9708-019B960494DF}">
-              <a14:hiddenLine xmlns="" xmlns:a14="http://schemas.microsoft.com/office/drawing/2010/main" w="9525">
+              <a14:hiddenLine xmlns:a14="http://schemas.microsoft.com/office/drawing/2010/main" xmlns="" w="9525">
                 <a:solidFill>
                   <a:schemeClr val="tx1"/>
                 </a:solidFill>
@@ -9109,7 +9111,7 @@
               </a14:hiddenLine>
             </a:ext>
             <a:ext uri="{AF507438-7753-43e0-B8FC-AC1667EBCBE1}">
-              <a14:hiddenEffects xmlns="" xmlns:a14="http://schemas.microsoft.com/office/drawing/2010/main">
+              <a14:hiddenEffects xmlns:a14="http://schemas.microsoft.com/office/drawing/2010/main" xmlns="">
                 <a:effectLst>
                   <a:outerShdw dist="35921" dir="2700000" algn="ctr" rotWithShape="0">
                     <a:schemeClr val="bg2"/>
@@ -9152,7 +9154,7 @@
           <a:effectLst/>
           <a:extLst>
             <a:ext uri="{91240B29-F687-4f45-9708-019B960494DF}">
-              <a14:hiddenLine xmlns="" xmlns:a14="http://schemas.microsoft.com/office/drawing/2010/main" w="9525">
+              <a14:hiddenLine xmlns:a14="http://schemas.microsoft.com/office/drawing/2010/main" xmlns="" w="9525">
                 <a:solidFill>
                   <a:schemeClr val="tx1"/>
                 </a:solidFill>
@@ -9162,7 +9164,7 @@
               </a14:hiddenLine>
             </a:ext>
             <a:ext uri="{AF507438-7753-43e0-B8FC-AC1667EBCBE1}">
-              <a14:hiddenEffects xmlns="" xmlns:a14="http://schemas.microsoft.com/office/drawing/2010/main">
+              <a14:hiddenEffects xmlns:a14="http://schemas.microsoft.com/office/drawing/2010/main" xmlns="">
                 <a:effectLst>
                   <a:outerShdw dist="35921" dir="2700000" algn="ctr" rotWithShape="0">
                     <a:schemeClr val="bg2"/>
@@ -9209,7 +9211,7 @@
           <a:effectLst/>
           <a:extLst>
             <a:ext uri="{91240B29-F687-4f45-9708-019B960494DF}">
-              <a14:hiddenLine xmlns="" xmlns:a14="http://schemas.microsoft.com/office/drawing/2010/main" w="9525">
+              <a14:hiddenLine xmlns:a14="http://schemas.microsoft.com/office/drawing/2010/main" xmlns="" w="9525">
                 <a:solidFill>
                   <a:schemeClr val="tx1"/>
                 </a:solidFill>
@@ -9219,7 +9221,7 @@
               </a14:hiddenLine>
             </a:ext>
             <a:ext uri="{AF507438-7753-43e0-B8FC-AC1667EBCBE1}">
-              <a14:hiddenEffects xmlns="" xmlns:a14="http://schemas.microsoft.com/office/drawing/2010/main">
+              <a14:hiddenEffects xmlns:a14="http://schemas.microsoft.com/office/drawing/2010/main" xmlns="">
                 <a:effectLst>
                   <a:outerShdw dist="35921" dir="2700000" algn="ctr" rotWithShape="0">
                     <a:schemeClr val="bg2"/>
@@ -9392,7 +9394,7 @@
           <a:effectLst/>
           <a:extLst>
             <a:ext uri="{91240B29-F687-4f45-9708-019B960494DF}">
-              <a14:hiddenLine xmlns="" xmlns:a14="http://schemas.microsoft.com/office/drawing/2010/main" w="9525">
+              <a14:hiddenLine xmlns:a14="http://schemas.microsoft.com/office/drawing/2010/main" xmlns="" w="9525">
                 <a:solidFill>
                   <a:schemeClr val="tx1"/>
                 </a:solidFill>
@@ -9402,7 +9404,7 @@
               </a14:hiddenLine>
             </a:ext>
             <a:ext uri="{AF507438-7753-43e0-B8FC-AC1667EBCBE1}">
-              <a14:hiddenEffects xmlns="" xmlns:a14="http://schemas.microsoft.com/office/drawing/2010/main">
+              <a14:hiddenEffects xmlns:a14="http://schemas.microsoft.com/office/drawing/2010/main" xmlns="">
                 <a:effectLst>
                   <a:outerShdw dist="35921" dir="2700000" algn="ctr" rotWithShape="0">
                     <a:schemeClr val="bg2"/>
@@ -9452,7 +9454,7 @@
           <a:noFill/>
           <a:extLst>
             <a:ext uri="{909E8E84-426E-40dd-AFC4-6F175D3DCCD1}">
-              <a14:hiddenFill xmlns="" xmlns:a14="http://schemas.microsoft.com/office/drawing/2010/main">
+              <a14:hiddenFill xmlns:a14="http://schemas.microsoft.com/office/drawing/2010/main" xmlns="">
                 <a:solidFill>
                   <a:srgbClr val="FFFFFF"/>
                 </a:solidFill>
@@ -9526,7 +9528,7 @@
           <a:effectLst/>
           <a:extLst>
             <a:ext uri="{91240B29-F687-4f45-9708-019B960494DF}">
-              <a14:hiddenLine xmlns="" xmlns:a14="http://schemas.microsoft.com/office/drawing/2010/main" w="9525">
+              <a14:hiddenLine xmlns:a14="http://schemas.microsoft.com/office/drawing/2010/main" xmlns="" w="9525">
                 <a:solidFill>
                   <a:schemeClr val="tx1"/>
                 </a:solidFill>
@@ -9536,7 +9538,7 @@
               </a14:hiddenLine>
             </a:ext>
             <a:ext uri="{AF507438-7753-43e0-B8FC-AC1667EBCBE1}">
-              <a14:hiddenEffects xmlns="" xmlns:a14="http://schemas.microsoft.com/office/drawing/2010/main">
+              <a14:hiddenEffects xmlns:a14="http://schemas.microsoft.com/office/drawing/2010/main" xmlns="">
                 <a:effectLst>
                   <a:outerShdw dist="35921" dir="2700000" algn="ctr" rotWithShape="0">
                     <a:schemeClr val="bg2"/>
@@ -18974,7 +18976,7 @@
           <a:effectLst/>
           <a:extLst>
             <a:ext uri="{91240B29-F687-4f45-9708-019B960494DF}">
-              <a14:hiddenLine xmlns="" xmlns:a14="http://schemas.microsoft.com/office/drawing/2010/main" w="9525">
+              <a14:hiddenLine xmlns:a14="http://schemas.microsoft.com/office/drawing/2010/main" xmlns="" w="9525">
                 <a:solidFill>
                   <a:schemeClr val="tx1"/>
                 </a:solidFill>
@@ -18984,7 +18986,7 @@
               </a14:hiddenLine>
             </a:ext>
             <a:ext uri="{AF507438-7753-43e0-B8FC-AC1667EBCBE1}">
-              <a14:hiddenEffects xmlns="" xmlns:a14="http://schemas.microsoft.com/office/drawing/2010/main">
+              <a14:hiddenEffects xmlns:a14="http://schemas.microsoft.com/office/drawing/2010/main" xmlns="">
                 <a:effectLst>
                   <a:outerShdw dist="35921" dir="2700000" algn="ctr" rotWithShape="0">
                     <a:schemeClr val="bg2"/>
@@ -19094,7 +19096,7 @@
           <a:effectLst/>
           <a:extLst>
             <a:ext uri="{91240B29-F687-4f45-9708-019B960494DF}">
-              <a14:hiddenLine xmlns="" xmlns:a14="http://schemas.microsoft.com/office/drawing/2010/main" w="9525">
+              <a14:hiddenLine xmlns:a14="http://schemas.microsoft.com/office/drawing/2010/main" xmlns="" w="9525">
                 <a:solidFill>
                   <a:schemeClr val="tx1"/>
                 </a:solidFill>
@@ -19104,7 +19106,7 @@
               </a14:hiddenLine>
             </a:ext>
             <a:ext uri="{AF507438-7753-43e0-B8FC-AC1667EBCBE1}">
-              <a14:hiddenEffects xmlns="" xmlns:a14="http://schemas.microsoft.com/office/drawing/2010/main">
+              <a14:hiddenEffects xmlns:a14="http://schemas.microsoft.com/office/drawing/2010/main" xmlns="">
                 <a:effectLst>
                   <a:outerShdw dist="35921" dir="2700000" algn="ctr" rotWithShape="0">
                     <a:schemeClr val="bg2"/>
@@ -19213,7 +19215,7 @@
           <a:effectLst/>
           <a:extLst>
             <a:ext uri="{91240B29-F687-4f45-9708-019B960494DF}">
-              <a14:hiddenLine xmlns="" xmlns:a14="http://schemas.microsoft.com/office/drawing/2010/main" w="9525">
+              <a14:hiddenLine xmlns:a14="http://schemas.microsoft.com/office/drawing/2010/main" xmlns="" w="9525">
                 <a:solidFill>
                   <a:schemeClr val="tx1"/>
                 </a:solidFill>
@@ -19223,7 +19225,7 @@
               </a14:hiddenLine>
             </a:ext>
             <a:ext uri="{AF507438-7753-43e0-B8FC-AC1667EBCBE1}">
-              <a14:hiddenEffects xmlns="" xmlns:a14="http://schemas.microsoft.com/office/drawing/2010/main">
+              <a14:hiddenEffects xmlns:a14="http://schemas.microsoft.com/office/drawing/2010/main" xmlns="">
                 <a:effectLst>
                   <a:outerShdw dist="35921" dir="2700000" algn="ctr" rotWithShape="0">
                     <a:schemeClr val="bg2"/>
@@ -19333,7 +19335,7 @@
           <a:effectLst/>
           <a:extLst>
             <a:ext uri="{91240B29-F687-4f45-9708-019B960494DF}">
-              <a14:hiddenLine xmlns="" xmlns:a14="http://schemas.microsoft.com/office/drawing/2010/main" w="9525">
+              <a14:hiddenLine xmlns:a14="http://schemas.microsoft.com/office/drawing/2010/main" xmlns="" w="9525">
                 <a:solidFill>
                   <a:schemeClr val="tx1"/>
                 </a:solidFill>
@@ -19343,7 +19345,7 @@
               </a14:hiddenLine>
             </a:ext>
             <a:ext uri="{AF507438-7753-43e0-B8FC-AC1667EBCBE1}">
-              <a14:hiddenEffects xmlns="" xmlns:a14="http://schemas.microsoft.com/office/drawing/2010/main">
+              <a14:hiddenEffects xmlns:a14="http://schemas.microsoft.com/office/drawing/2010/main" xmlns="">
                 <a:effectLst>
                   <a:outerShdw dist="35921" dir="2700000" algn="ctr" rotWithShape="0">
                     <a:schemeClr val="bg2"/>
@@ -19465,7 +19467,7 @@
           <a:effectLst/>
           <a:extLst>
             <a:ext uri="{91240B29-F687-4f45-9708-019B960494DF}">
-              <a14:hiddenLine xmlns="" xmlns:a14="http://schemas.microsoft.com/office/drawing/2010/main" w="9525">
+              <a14:hiddenLine xmlns:a14="http://schemas.microsoft.com/office/drawing/2010/main" xmlns="" w="9525">
                 <a:solidFill>
                   <a:schemeClr val="tx1"/>
                 </a:solidFill>
@@ -19475,7 +19477,7 @@
               </a14:hiddenLine>
             </a:ext>
             <a:ext uri="{AF507438-7753-43e0-B8FC-AC1667EBCBE1}">
-              <a14:hiddenEffects xmlns="" xmlns:a14="http://schemas.microsoft.com/office/drawing/2010/main">
+              <a14:hiddenEffects xmlns:a14="http://schemas.microsoft.com/office/drawing/2010/main" xmlns="">
                 <a:effectLst>
                   <a:outerShdw dist="35921" dir="2700000" algn="ctr" rotWithShape="0">
                     <a:schemeClr val="bg2"/>
@@ -19518,7 +19520,7 @@
           <a:effectLst/>
           <a:extLst>
             <a:ext uri="{91240B29-F687-4f45-9708-019B960494DF}">
-              <a14:hiddenLine xmlns="" xmlns:a14="http://schemas.microsoft.com/office/drawing/2010/main" w="9525">
+              <a14:hiddenLine xmlns:a14="http://schemas.microsoft.com/office/drawing/2010/main" xmlns="" w="9525">
                 <a:solidFill>
                   <a:schemeClr val="tx1"/>
                 </a:solidFill>
@@ -19528,7 +19530,7 @@
               </a14:hiddenLine>
             </a:ext>
             <a:ext uri="{AF507438-7753-43e0-B8FC-AC1667EBCBE1}">
-              <a14:hiddenEffects xmlns="" xmlns:a14="http://schemas.microsoft.com/office/drawing/2010/main">
+              <a14:hiddenEffects xmlns:a14="http://schemas.microsoft.com/office/drawing/2010/main" xmlns="">
                 <a:effectLst>
                   <a:outerShdw dist="35921" dir="2700000" algn="ctr" rotWithShape="0">
                     <a:schemeClr val="bg2"/>
@@ -19624,7 +19626,7 @@
           <a:effectLst/>
           <a:extLst>
             <a:ext uri="{91240B29-F687-4f45-9708-019B960494DF}">
-              <a14:hiddenLine xmlns="" xmlns:a14="http://schemas.microsoft.com/office/drawing/2010/main" w="9525">
+              <a14:hiddenLine xmlns:a14="http://schemas.microsoft.com/office/drawing/2010/main" xmlns="" w="9525">
                 <a:solidFill>
                   <a:schemeClr val="tx1"/>
                 </a:solidFill>
@@ -19634,7 +19636,7 @@
               </a14:hiddenLine>
             </a:ext>
             <a:ext uri="{AF507438-7753-43e0-B8FC-AC1667EBCBE1}">
-              <a14:hiddenEffects xmlns="" xmlns:a14="http://schemas.microsoft.com/office/drawing/2010/main">
+              <a14:hiddenEffects xmlns:a14="http://schemas.microsoft.com/office/drawing/2010/main" xmlns="">
                 <a:effectLst>
                   <a:outerShdw dist="35921" dir="2700000" algn="ctr" rotWithShape="0">
                     <a:schemeClr val="bg2"/>
@@ -19677,14 +19679,14 @@
           <a:effectLst/>
           <a:extLst>
             <a:ext uri="{909E8E84-426E-40dd-AFC4-6F175D3DCCD1}">
-              <a14:hiddenFill xmlns="" xmlns:a14="http://schemas.microsoft.com/office/drawing/2010/main">
+              <a14:hiddenFill xmlns:a14="http://schemas.microsoft.com/office/drawing/2010/main" xmlns="">
                 <a:solidFill>
                   <a:schemeClr val="accent1"/>
                 </a:solidFill>
               </a14:hiddenFill>
             </a:ext>
             <a:ext uri="{91240B29-F687-4f45-9708-019B960494DF}">
-              <a14:hiddenLine xmlns="" xmlns:a14="http://schemas.microsoft.com/office/drawing/2010/main" w="9525">
+              <a14:hiddenLine xmlns:a14="http://schemas.microsoft.com/office/drawing/2010/main" xmlns="" w="9525">
                 <a:solidFill>
                   <a:schemeClr val="tx1"/>
                 </a:solidFill>
@@ -19694,7 +19696,7 @@
               </a14:hiddenLine>
             </a:ext>
             <a:ext uri="{AF507438-7753-43e0-B8FC-AC1667EBCBE1}">
-              <a14:hiddenEffects xmlns="" xmlns:a14="http://schemas.microsoft.com/office/drawing/2010/main">
+              <a14:hiddenEffects xmlns:a14="http://schemas.microsoft.com/office/drawing/2010/main" xmlns="">
                 <a:effectLst>
                   <a:outerShdw dist="35921" dir="2700000" algn="ctr" rotWithShape="0">
                     <a:schemeClr val="bg2"/>
@@ -19745,14 +19747,14 @@
           <a:effectLst/>
           <a:extLst>
             <a:ext uri="{909E8E84-426E-40dd-AFC4-6F175D3DCCD1}">
-              <a14:hiddenFill xmlns="" xmlns:a14="http://schemas.microsoft.com/office/drawing/2010/main">
+              <a14:hiddenFill xmlns:a14="http://schemas.microsoft.com/office/drawing/2010/main" xmlns="">
                 <a:solidFill>
                   <a:schemeClr val="accent1"/>
                 </a:solidFill>
               </a14:hiddenFill>
             </a:ext>
             <a:ext uri="{91240B29-F687-4f45-9708-019B960494DF}">
-              <a14:hiddenLine xmlns="" xmlns:a14="http://schemas.microsoft.com/office/drawing/2010/main" w="9525">
+              <a14:hiddenLine xmlns:a14="http://schemas.microsoft.com/office/drawing/2010/main" xmlns="" w="9525">
                 <a:solidFill>
                   <a:schemeClr val="tx1"/>
                 </a:solidFill>
@@ -19762,7 +19764,7 @@
               </a14:hiddenLine>
             </a:ext>
             <a:ext uri="{AF507438-7753-43e0-B8FC-AC1667EBCBE1}">
-              <a14:hiddenEffects xmlns="" xmlns:a14="http://schemas.microsoft.com/office/drawing/2010/main">
+              <a14:hiddenEffects xmlns:a14="http://schemas.microsoft.com/office/drawing/2010/main" xmlns="">
                 <a:effectLst>
                   <a:outerShdw dist="35921" dir="2700000" algn="ctr" rotWithShape="0">
                     <a:schemeClr val="bg2"/>
@@ -19841,14 +19843,14 @@
           <a:effectLst/>
           <a:extLst>
             <a:ext uri="{909E8E84-426E-40dd-AFC4-6F175D3DCCD1}">
-              <a14:hiddenFill xmlns="" xmlns:a14="http://schemas.microsoft.com/office/drawing/2010/main">
+              <a14:hiddenFill xmlns:a14="http://schemas.microsoft.com/office/drawing/2010/main" xmlns="">
                 <a:solidFill>
                   <a:schemeClr val="accent1"/>
                 </a:solidFill>
               </a14:hiddenFill>
             </a:ext>
             <a:ext uri="{91240B29-F687-4f45-9708-019B960494DF}">
-              <a14:hiddenLine xmlns="" xmlns:a14="http://schemas.microsoft.com/office/drawing/2010/main" w="9525">
+              <a14:hiddenLine xmlns:a14="http://schemas.microsoft.com/office/drawing/2010/main" xmlns="" w="9525">
                 <a:solidFill>
                   <a:schemeClr val="tx1"/>
                 </a:solidFill>
@@ -19858,7 +19860,7 @@
               </a14:hiddenLine>
             </a:ext>
             <a:ext uri="{AF507438-7753-43e0-B8FC-AC1667EBCBE1}">
-              <a14:hiddenEffects xmlns="" xmlns:a14="http://schemas.microsoft.com/office/drawing/2010/main">
+              <a14:hiddenEffects xmlns:a14="http://schemas.microsoft.com/office/drawing/2010/main" xmlns="">
                 <a:effectLst>
                   <a:outerShdw dist="35921" dir="2700000" algn="ctr" rotWithShape="0">
                     <a:schemeClr val="bg2"/>
@@ -19914,14 +19916,14 @@
           <a:effectLst/>
           <a:extLst>
             <a:ext uri="{909E8E84-426E-40dd-AFC4-6F175D3DCCD1}">
-              <a14:hiddenFill xmlns="" xmlns:a14="http://schemas.microsoft.com/office/drawing/2010/main">
+              <a14:hiddenFill xmlns:a14="http://schemas.microsoft.com/office/drawing/2010/main" xmlns="">
                 <a:solidFill>
                   <a:schemeClr val="accent1"/>
                 </a:solidFill>
               </a14:hiddenFill>
             </a:ext>
             <a:ext uri="{91240B29-F687-4f45-9708-019B960494DF}">
-              <a14:hiddenLine xmlns="" xmlns:a14="http://schemas.microsoft.com/office/drawing/2010/main" w="9525">
+              <a14:hiddenLine xmlns:a14="http://schemas.microsoft.com/office/drawing/2010/main" xmlns="" w="9525">
                 <a:solidFill>
                   <a:schemeClr val="tx1"/>
                 </a:solidFill>
@@ -19931,7 +19933,7 @@
               </a14:hiddenLine>
             </a:ext>
             <a:ext uri="{AF507438-7753-43e0-B8FC-AC1667EBCBE1}">
-              <a14:hiddenEffects xmlns="" xmlns:a14="http://schemas.microsoft.com/office/drawing/2010/main">
+              <a14:hiddenEffects xmlns:a14="http://schemas.microsoft.com/office/drawing/2010/main" xmlns="">
                 <a:effectLst>
                   <a:outerShdw dist="35921" dir="2700000" algn="ctr" rotWithShape="0">
                     <a:schemeClr val="bg2"/>
@@ -19987,14 +19989,14 @@
           <a:effectLst/>
           <a:extLst>
             <a:ext uri="{909E8E84-426E-40dd-AFC4-6F175D3DCCD1}">
-              <a14:hiddenFill xmlns="" xmlns:a14="http://schemas.microsoft.com/office/drawing/2010/main">
+              <a14:hiddenFill xmlns:a14="http://schemas.microsoft.com/office/drawing/2010/main" xmlns="">
                 <a:solidFill>
                   <a:schemeClr val="accent1"/>
                 </a:solidFill>
               </a14:hiddenFill>
             </a:ext>
             <a:ext uri="{91240B29-F687-4f45-9708-019B960494DF}">
-              <a14:hiddenLine xmlns="" xmlns:a14="http://schemas.microsoft.com/office/drawing/2010/main" w="9525">
+              <a14:hiddenLine xmlns:a14="http://schemas.microsoft.com/office/drawing/2010/main" xmlns="" w="9525">
                 <a:solidFill>
                   <a:schemeClr val="tx1"/>
                 </a:solidFill>
@@ -20004,7 +20006,7 @@
               </a14:hiddenLine>
             </a:ext>
             <a:ext uri="{AF507438-7753-43e0-B8FC-AC1667EBCBE1}">
-              <a14:hiddenEffects xmlns="" xmlns:a14="http://schemas.microsoft.com/office/drawing/2010/main">
+              <a14:hiddenEffects xmlns:a14="http://schemas.microsoft.com/office/drawing/2010/main" xmlns="">
                 <a:effectLst>
                   <a:outerShdw dist="35921" dir="2700000" algn="ctr" rotWithShape="0">
                     <a:schemeClr val="bg2"/>
@@ -20074,7 +20076,7 @@
           <a:effectLst/>
           <a:extLst>
             <a:ext uri="{AF507438-7753-43e0-B8FC-AC1667EBCBE1}">
-              <a14:hiddenEffects xmlns="" xmlns:a14="http://schemas.microsoft.com/office/drawing/2010/main">
+              <a14:hiddenEffects xmlns:a14="http://schemas.microsoft.com/office/drawing/2010/main" xmlns="">
                 <a:effectLst>
                   <a:outerShdw dist="35921" dir="2700000" algn="ctr" rotWithShape="0">
                     <a:schemeClr val="bg2"/>
@@ -20126,7 +20128,7 @@
           <a:effectLst/>
           <a:extLst>
             <a:ext uri="{AF507438-7753-43e0-B8FC-AC1667EBCBE1}">
-              <a14:hiddenEffects xmlns="" xmlns:a14="http://schemas.microsoft.com/office/drawing/2010/main">
+              <a14:hiddenEffects xmlns:a14="http://schemas.microsoft.com/office/drawing/2010/main" xmlns="">
                 <a:effectLst>
                   <a:outerShdw dist="35921" dir="2700000" algn="ctr" rotWithShape="0">
                     <a:schemeClr val="bg2"/>
@@ -20176,7 +20178,7 @@
           <a:effectLst/>
           <a:extLst>
             <a:ext uri="{AF507438-7753-43e0-B8FC-AC1667EBCBE1}">
-              <a14:hiddenEffects xmlns="" xmlns:a14="http://schemas.microsoft.com/office/drawing/2010/main">
+              <a14:hiddenEffects xmlns:a14="http://schemas.microsoft.com/office/drawing/2010/main" xmlns="">
                 <a:effectLst>
                   <a:outerShdw dist="35921" dir="2700000" algn="ctr" rotWithShape="0">
                     <a:schemeClr val="bg2"/>
@@ -21393,19 +21395,83 @@
           <a:p>
             <a:r>
               <a:rPr lang="zh-CN" altLang="en-US" dirty="0"/>
-              <a:t>简单示例</a:t>
+              <a:t>简单示例一</a:t>
             </a:r>
           </a:p>
         </p:txBody>
       </p:sp>
+      <p:pic>
+        <p:nvPicPr>
+          <p:cNvPr id="5" name="图片 4"/>
+          <p:cNvPicPr>
+            <a:picLocks noChangeAspect="1"/>
+          </p:cNvPicPr>
+          <p:nvPr/>
+        </p:nvPicPr>
+        <p:blipFill>
+          <a:blip r:embed="rId2"/>
+          <a:stretch>
+            <a:fillRect/>
+          </a:stretch>
+        </p:blipFill>
+        <p:spPr>
+          <a:xfrm>
+            <a:off x="2567608" y="1484784"/>
+            <a:ext cx="6206455" cy="4610739"/>
+          </a:xfrm>
+          <a:prstGeom prst="rect">
+            <a:avLst/>
+          </a:prstGeom>
+          <a:ln>
+            <a:noFill/>
+          </a:ln>
+          <a:effectLst>
+            <a:outerShdw blurRad="292100" dist="139700" dir="2700000" algn="tl" rotWithShape="0">
+              <a:srgbClr val="333333">
+                <a:alpha val="65000"/>
+              </a:srgbClr>
+            </a:outerShdw>
+          </a:effectLst>
+        </p:spPr>
+      </p:pic>
+    </p:spTree>
+    <p:extLst>
+      <p:ext uri="{BB962C8B-B14F-4D97-AF65-F5344CB8AC3E}">
+        <p14:creationId xmlns:p14="http://schemas.microsoft.com/office/powerpoint/2010/main" val="4090927536"/>
+      </p:ext>
+    </p:extLst>
+  </p:cSld>
+  <p:clrMapOvr>
+    <a:masterClrMapping/>
+  </p:clrMapOvr>
+</p:sld>
+</file>
+
+<file path=ppt/slides/slide8.xml><?xml version="1.0" encoding="utf-8"?>
+<p:sld xmlns:a="http://schemas.openxmlformats.org/drawingml/2006/main" xmlns:r="http://schemas.openxmlformats.org/officeDocument/2006/relationships" xmlns:p="http://schemas.openxmlformats.org/presentationml/2006/main">
+  <p:cSld>
+    <p:spTree>
+      <p:nvGrpSpPr>
+        <p:cNvPr id="1" name=""/>
+        <p:cNvGrpSpPr/>
+        <p:nvPr/>
+      </p:nvGrpSpPr>
+      <p:grpSpPr>
+        <a:xfrm>
+          <a:off x="0" y="0"/>
+          <a:ext cx="0" cy="0"/>
+          <a:chOff x="0" y="0"/>
+          <a:chExt cx="0" cy="0"/>
+        </a:xfrm>
+      </p:grpSpPr>
       <p:sp>
         <p:nvSpPr>
-          <p:cNvPr id="3" name="内容占位符 2"/>
+          <p:cNvPr id="2" name="标题 1"/>
           <p:cNvSpPr>
             <a:spLocks noGrp="1"/>
           </p:cNvSpPr>
           <p:nvPr>
-            <p:ph idx="1"/>
+            <p:ph type="title"/>
           </p:nvPr>
         </p:nvSpPr>
         <p:spPr/>
@@ -21413,14 +21479,205 @@
           <a:bodyPr/>
           <a:lstStyle/>
           <a:p>
-            <a:endParaRPr lang="zh-CN" altLang="en-US"/>
+            <a:r>
+              <a:rPr lang="zh-CN" altLang="en-US" dirty="0"/>
+              <a:t>简单示例二</a:t>
+            </a:r>
           </a:p>
         </p:txBody>
       </p:sp>
+      <p:pic>
+        <p:nvPicPr>
+          <p:cNvPr id="5" name="图片 4"/>
+          <p:cNvPicPr>
+            <a:picLocks noChangeAspect="1"/>
+          </p:cNvPicPr>
+          <p:nvPr/>
+        </p:nvPicPr>
+        <p:blipFill>
+          <a:blip r:embed="rId2"/>
+          <a:stretch>
+            <a:fillRect/>
+          </a:stretch>
+        </p:blipFill>
+        <p:spPr>
+          <a:xfrm>
+            <a:off x="1445090" y="2060848"/>
+            <a:ext cx="7133884" cy="2898825"/>
+          </a:xfrm>
+          <a:prstGeom prst="rect">
+            <a:avLst/>
+          </a:prstGeom>
+          <a:ln>
+            <a:noFill/>
+          </a:ln>
+          <a:effectLst>
+            <a:outerShdw blurRad="292100" dist="139700" dir="2700000" algn="tl" rotWithShape="0">
+              <a:srgbClr val="333333">
+                <a:alpha val="65000"/>
+              </a:srgbClr>
+            </a:outerShdw>
+          </a:effectLst>
+        </p:spPr>
+      </p:pic>
+      <p:pic>
+        <p:nvPicPr>
+          <p:cNvPr id="6" name="图片 5"/>
+          <p:cNvPicPr>
+            <a:picLocks noChangeAspect="1"/>
+          </p:cNvPicPr>
+          <p:nvPr/>
+        </p:nvPicPr>
+        <p:blipFill>
+          <a:blip r:embed="rId3"/>
+          <a:stretch>
+            <a:fillRect/>
+          </a:stretch>
+        </p:blipFill>
+        <p:spPr>
+          <a:xfrm>
+            <a:off x="6312024" y="4617884"/>
+            <a:ext cx="4533900" cy="1238250"/>
+          </a:xfrm>
+          <a:prstGeom prst="rect">
+            <a:avLst/>
+          </a:prstGeom>
+          <a:ln>
+            <a:noFill/>
+          </a:ln>
+          <a:effectLst>
+            <a:outerShdw blurRad="292100" dist="139700" dir="2700000" algn="tl" rotWithShape="0">
+              <a:srgbClr val="333333">
+                <a:alpha val="65000"/>
+              </a:srgbClr>
+            </a:outerShdw>
+          </a:effectLst>
+        </p:spPr>
+      </p:pic>
     </p:spTree>
     <p:extLst>
       <p:ext uri="{BB962C8B-B14F-4D97-AF65-F5344CB8AC3E}">
-        <p14:creationId xmlns:p14="http://schemas.microsoft.com/office/powerpoint/2010/main" val="4090927536"/>
+        <p14:creationId xmlns:p14="http://schemas.microsoft.com/office/powerpoint/2010/main" val="3852208238"/>
+      </p:ext>
+    </p:extLst>
+  </p:cSld>
+  <p:clrMapOvr>
+    <a:masterClrMapping/>
+  </p:clrMapOvr>
+</p:sld>
+</file>
+
+<file path=ppt/slides/slide9.xml><?xml version="1.0" encoding="utf-8"?>
+<p:sld xmlns:a="http://schemas.openxmlformats.org/drawingml/2006/main" xmlns:r="http://schemas.openxmlformats.org/officeDocument/2006/relationships" xmlns:p="http://schemas.openxmlformats.org/presentationml/2006/main">
+  <p:cSld>
+    <p:spTree>
+      <p:nvGrpSpPr>
+        <p:cNvPr id="1" name=""/>
+        <p:cNvGrpSpPr/>
+        <p:nvPr/>
+      </p:nvGrpSpPr>
+      <p:grpSpPr>
+        <a:xfrm>
+          <a:off x="0" y="0"/>
+          <a:ext cx="0" cy="0"/>
+          <a:chOff x="0" y="0"/>
+          <a:chExt cx="0" cy="0"/>
+        </a:xfrm>
+      </p:grpSpPr>
+      <p:sp>
+        <p:nvSpPr>
+          <p:cNvPr id="2" name="标题 1"/>
+          <p:cNvSpPr>
+            <a:spLocks noGrp="1"/>
+          </p:cNvSpPr>
+          <p:nvPr>
+            <p:ph type="title"/>
+          </p:nvPr>
+        </p:nvSpPr>
+        <p:spPr/>
+        <p:txBody>
+          <a:bodyPr/>
+          <a:lstStyle/>
+          <a:p>
+            <a:r>
+              <a:rPr lang="zh-CN" altLang="en-US" dirty="0"/>
+              <a:t>简单示例三</a:t>
+            </a:r>
+          </a:p>
+        </p:txBody>
+      </p:sp>
+      <p:pic>
+        <p:nvPicPr>
+          <p:cNvPr id="4" name="图片 3"/>
+          <p:cNvPicPr>
+            <a:picLocks noChangeAspect="1"/>
+          </p:cNvPicPr>
+          <p:nvPr/>
+        </p:nvPicPr>
+        <p:blipFill>
+          <a:blip r:embed="rId2"/>
+          <a:stretch>
+            <a:fillRect/>
+          </a:stretch>
+        </p:blipFill>
+        <p:spPr>
+          <a:xfrm>
+            <a:off x="767408" y="1340768"/>
+            <a:ext cx="5988149" cy="3467957"/>
+          </a:xfrm>
+          <a:prstGeom prst="rect">
+            <a:avLst/>
+          </a:prstGeom>
+          <a:ln>
+            <a:noFill/>
+          </a:ln>
+          <a:effectLst>
+            <a:outerShdw blurRad="292100" dist="139700" dir="2700000" algn="tl" rotWithShape="0">
+              <a:srgbClr val="333333">
+                <a:alpha val="65000"/>
+              </a:srgbClr>
+            </a:outerShdw>
+          </a:effectLst>
+        </p:spPr>
+      </p:pic>
+      <p:pic>
+        <p:nvPicPr>
+          <p:cNvPr id="5" name="图片 4"/>
+          <p:cNvPicPr>
+            <a:picLocks noChangeAspect="1"/>
+          </p:cNvPicPr>
+          <p:nvPr/>
+        </p:nvPicPr>
+        <p:blipFill>
+          <a:blip r:embed="rId3"/>
+          <a:stretch>
+            <a:fillRect/>
+          </a:stretch>
+        </p:blipFill>
+        <p:spPr>
+          <a:xfrm>
+            <a:off x="5951984" y="3284984"/>
+            <a:ext cx="5506566" cy="2848985"/>
+          </a:xfrm>
+          <a:prstGeom prst="rect">
+            <a:avLst/>
+          </a:prstGeom>
+          <a:ln>
+            <a:noFill/>
+          </a:ln>
+          <a:effectLst>
+            <a:outerShdw blurRad="292100" dist="139700" dir="2700000" algn="tl" rotWithShape="0">
+              <a:srgbClr val="333333">
+                <a:alpha val="65000"/>
+              </a:srgbClr>
+            </a:outerShdw>
+          </a:effectLst>
+        </p:spPr>
+      </p:pic>
+    </p:spTree>
+    <p:extLst>
+      <p:ext uri="{BB962C8B-B14F-4D97-AF65-F5344CB8AC3E}">
+        <p14:creationId xmlns:p14="http://schemas.microsoft.com/office/powerpoint/2010/main" val="2691906748"/>
       </p:ext>
     </p:extLst>
   </p:cSld>
@@ -21678,7 +21935,7 @@
         <a:effectLst/>
         <a:extLst>
           <a:ext uri="{91240B29-F687-4f45-9708-019B960494DF}">
-            <a14:hiddenLine xmlns="" xmlns:a14="http://schemas.microsoft.com/office/drawing/2010/main" w="9525" cap="flat" cmpd="sng" algn="ctr">
+            <a14:hiddenLine xmlns:a14="http://schemas.microsoft.com/office/drawing/2010/main" xmlns="" w="9525" cap="flat" cmpd="sng" algn="ctr">
               <a:solidFill>
                 <a:schemeClr val="tx1"/>
               </a:solidFill>
@@ -21689,7 +21946,7 @@
             </a14:hiddenLine>
           </a:ext>
           <a:ext uri="{AF507438-7753-43e0-B8FC-AC1667EBCBE1}">
-            <a14:hiddenEffects xmlns="" xmlns:a14="http://schemas.microsoft.com/office/drawing/2010/main">
+            <a14:hiddenEffects xmlns:a14="http://schemas.microsoft.com/office/drawing/2010/main" xmlns="">
               <a:effectLst>
                 <a:outerShdw dist="35921" dir="2700000" algn="ctr" rotWithShape="0">
                   <a:schemeClr val="bg2"/>
@@ -21760,7 +22017,7 @@
         <a:effectLst/>
         <a:extLst>
           <a:ext uri="{91240B29-F687-4f45-9708-019B960494DF}">
-            <a14:hiddenLine xmlns="" xmlns:a14="http://schemas.microsoft.com/office/drawing/2010/main" w="9525" cap="flat" cmpd="sng" algn="ctr">
+            <a14:hiddenLine xmlns:a14="http://schemas.microsoft.com/office/drawing/2010/main" xmlns="" w="9525" cap="flat" cmpd="sng" algn="ctr">
               <a:solidFill>
                 <a:schemeClr val="tx1"/>
               </a:solidFill>
@@ -21771,7 +22028,7 @@
             </a14:hiddenLine>
           </a:ext>
           <a:ext uri="{AF507438-7753-43e0-B8FC-AC1667EBCBE1}">
-            <a14:hiddenEffects xmlns="" xmlns:a14="http://schemas.microsoft.com/office/drawing/2010/main">
+            <a14:hiddenEffects xmlns:a14="http://schemas.microsoft.com/office/drawing/2010/main" xmlns="">
               <a:effectLst>
                 <a:outerShdw dist="35921" dir="2700000" algn="ctr" rotWithShape="0">
                   <a:schemeClr val="bg2"/>

--- a/PPT/AngularJS.pptx
+++ b/PPT/AngularJS.pptx
@@ -5,10 +5,10 @@
     <p:sldMasterId id="2147483648" r:id="rId1"/>
   </p:sldMasterIdLst>
   <p:notesMasterIdLst>
-    <p:notesMasterId r:id="rId11"/>
+    <p:notesMasterId r:id="rId13"/>
   </p:notesMasterIdLst>
   <p:handoutMasterIdLst>
-    <p:handoutMasterId r:id="rId12"/>
+    <p:handoutMasterId r:id="rId14"/>
   </p:handoutMasterIdLst>
   <p:sldIdLst>
     <p:sldId id="256" r:id="rId2"/>
@@ -20,6 +20,8 @@
     <p:sldId id="262" r:id="rId8"/>
     <p:sldId id="263" r:id="rId9"/>
     <p:sldId id="264" r:id="rId10"/>
+    <p:sldId id="265" r:id="rId11"/>
+    <p:sldId id="266" r:id="rId12"/>
   </p:sldIdLst>
   <p:sldSz cx="12192000" cy="6858000"/>
   <p:notesSz cx="6858000" cy="9144000"/>
@@ -387,14 +389,14 @@
           <a:effectLst/>
           <a:extLst>
             <a:ext uri="{909E8E84-426E-40dd-AFC4-6F175D3DCCD1}">
-              <a14:hiddenFill xmlns:a14="http://schemas.microsoft.com/office/drawing/2010/main" xmlns="">
+              <a14:hiddenFill xmlns="" xmlns:a14="http://schemas.microsoft.com/office/drawing/2010/main">
                 <a:solidFill>
                   <a:schemeClr val="accent1"/>
                 </a:solidFill>
               </a14:hiddenFill>
             </a:ext>
             <a:ext uri="{91240B29-F687-4f45-9708-019B960494DF}">
-              <a14:hiddenLine xmlns:a14="http://schemas.microsoft.com/office/drawing/2010/main" xmlns="" w="9525">
+              <a14:hiddenLine xmlns="" xmlns:a14="http://schemas.microsoft.com/office/drawing/2010/main" w="9525">
                 <a:solidFill>
                   <a:schemeClr val="tx1"/>
                 </a:solidFill>
@@ -404,7 +406,7 @@
               </a14:hiddenLine>
             </a:ext>
             <a:ext uri="{AF507438-7753-43e0-B8FC-AC1667EBCBE1}">
-              <a14:hiddenEffects xmlns:a14="http://schemas.microsoft.com/office/drawing/2010/main" xmlns="">
+              <a14:hiddenEffects xmlns="" xmlns:a14="http://schemas.microsoft.com/office/drawing/2010/main">
                 <a:effectLst>
                   <a:outerShdw dist="35921" dir="2700000" algn="ctr" rotWithShape="0">
                     <a:schemeClr val="bg2"/>
@@ -455,14 +457,14 @@
           <a:effectLst/>
           <a:extLst>
             <a:ext uri="{909E8E84-426E-40dd-AFC4-6F175D3DCCD1}">
-              <a14:hiddenFill xmlns:a14="http://schemas.microsoft.com/office/drawing/2010/main" xmlns="">
+              <a14:hiddenFill xmlns="" xmlns:a14="http://schemas.microsoft.com/office/drawing/2010/main">
                 <a:solidFill>
                   <a:schemeClr val="accent1"/>
                 </a:solidFill>
               </a14:hiddenFill>
             </a:ext>
             <a:ext uri="{91240B29-F687-4f45-9708-019B960494DF}">
-              <a14:hiddenLine xmlns:a14="http://schemas.microsoft.com/office/drawing/2010/main" xmlns="" w="9525">
+              <a14:hiddenLine xmlns="" xmlns:a14="http://schemas.microsoft.com/office/drawing/2010/main" w="9525">
                 <a:solidFill>
                   <a:schemeClr val="tx1"/>
                 </a:solidFill>
@@ -472,7 +474,7 @@
               </a14:hiddenLine>
             </a:ext>
             <a:ext uri="{AF507438-7753-43e0-B8FC-AC1667EBCBE1}">
-              <a14:hiddenEffects xmlns:a14="http://schemas.microsoft.com/office/drawing/2010/main" xmlns="">
+              <a14:hiddenEffects xmlns="" xmlns:a14="http://schemas.microsoft.com/office/drawing/2010/main">
                 <a:effectLst>
                   <a:outerShdw dist="35921" dir="2700000" algn="ctr" rotWithShape="0">
                     <a:schemeClr val="bg2"/>
@@ -528,7 +530,7 @@
           <a:effectLst/>
           <a:extLst>
             <a:ext uri="{AF507438-7753-43e0-B8FC-AC1667EBCBE1}">
-              <a14:hiddenEffects xmlns:a14="http://schemas.microsoft.com/office/drawing/2010/main" xmlns="">
+              <a14:hiddenEffects xmlns="" xmlns:a14="http://schemas.microsoft.com/office/drawing/2010/main">
                 <a:effectLst>
                   <a:outerShdw dist="35921" dir="2700000" algn="ctr" rotWithShape="0">
                     <a:srgbClr val="808080"/>
@@ -537,7 +539,7 @@
               </a14:hiddenEffects>
             </a:ext>
             <a:ext uri="{53640926-AAD7-44d8-BBD7-CCE9431645EC}">
-              <a14:shadowObscured xmlns:a14="http://schemas.microsoft.com/office/drawing/2010/main" xmlns="" val="1"/>
+              <a14:shadowObscured xmlns="" xmlns:a14="http://schemas.microsoft.com/office/drawing/2010/main" val="1"/>
             </a:ext>
           </a:extLst>
         </p:spPr>
@@ -567,14 +569,14 @@
           <a:effectLst/>
           <a:extLst>
             <a:ext uri="{909E8E84-426E-40dd-AFC4-6F175D3DCCD1}">
-              <a14:hiddenFill xmlns:a14="http://schemas.microsoft.com/office/drawing/2010/main" xmlns="">
+              <a14:hiddenFill xmlns="" xmlns:a14="http://schemas.microsoft.com/office/drawing/2010/main">
                 <a:solidFill>
                   <a:schemeClr val="accent1"/>
                 </a:solidFill>
               </a14:hiddenFill>
             </a:ext>
             <a:ext uri="{91240B29-F687-4f45-9708-019B960494DF}">
-              <a14:hiddenLine xmlns:a14="http://schemas.microsoft.com/office/drawing/2010/main" xmlns="" w="9525">
+              <a14:hiddenLine xmlns="" xmlns:a14="http://schemas.microsoft.com/office/drawing/2010/main" w="9525">
                 <a:solidFill>
                   <a:schemeClr val="tx1"/>
                 </a:solidFill>
@@ -584,7 +586,7 @@
               </a14:hiddenLine>
             </a:ext>
             <a:ext uri="{AF507438-7753-43e0-B8FC-AC1667EBCBE1}">
-              <a14:hiddenEffects xmlns:a14="http://schemas.microsoft.com/office/drawing/2010/main" xmlns="">
+              <a14:hiddenEffects xmlns="" xmlns:a14="http://schemas.microsoft.com/office/drawing/2010/main">
                 <a:effectLst>
                   <a:outerShdw dist="35921" dir="2700000" algn="ctr" rotWithShape="0">
                     <a:schemeClr val="bg2"/>
@@ -663,14 +665,14 @@
           <a:effectLst/>
           <a:extLst>
             <a:ext uri="{909E8E84-426E-40dd-AFC4-6F175D3DCCD1}">
-              <a14:hiddenFill xmlns:a14="http://schemas.microsoft.com/office/drawing/2010/main" xmlns="">
+              <a14:hiddenFill xmlns="" xmlns:a14="http://schemas.microsoft.com/office/drawing/2010/main">
                 <a:solidFill>
                   <a:schemeClr val="accent1"/>
                 </a:solidFill>
               </a14:hiddenFill>
             </a:ext>
             <a:ext uri="{91240B29-F687-4f45-9708-019B960494DF}">
-              <a14:hiddenLine xmlns:a14="http://schemas.microsoft.com/office/drawing/2010/main" xmlns="" w="9525">
+              <a14:hiddenLine xmlns="" xmlns:a14="http://schemas.microsoft.com/office/drawing/2010/main" w="9525">
                 <a:solidFill>
                   <a:schemeClr val="tx1"/>
                 </a:solidFill>
@@ -680,7 +682,7 @@
               </a14:hiddenLine>
             </a:ext>
             <a:ext uri="{AF507438-7753-43e0-B8FC-AC1667EBCBE1}">
-              <a14:hiddenEffects xmlns:a14="http://schemas.microsoft.com/office/drawing/2010/main" xmlns="">
+              <a14:hiddenEffects xmlns="" xmlns:a14="http://schemas.microsoft.com/office/drawing/2010/main">
                 <a:effectLst>
                   <a:outerShdw dist="35921" dir="2700000" algn="ctr" rotWithShape="0">
                     <a:schemeClr val="bg2"/>
@@ -731,14 +733,14 @@
           <a:effectLst/>
           <a:extLst>
             <a:ext uri="{909E8E84-426E-40dd-AFC4-6F175D3DCCD1}">
-              <a14:hiddenFill xmlns:a14="http://schemas.microsoft.com/office/drawing/2010/main" xmlns="">
+              <a14:hiddenFill xmlns="" xmlns:a14="http://schemas.microsoft.com/office/drawing/2010/main">
                 <a:solidFill>
                   <a:schemeClr val="accent1"/>
                 </a:solidFill>
               </a14:hiddenFill>
             </a:ext>
             <a:ext uri="{91240B29-F687-4f45-9708-019B960494DF}">
-              <a14:hiddenLine xmlns:a14="http://schemas.microsoft.com/office/drawing/2010/main" xmlns="" w="9525">
+              <a14:hiddenLine xmlns="" xmlns:a14="http://schemas.microsoft.com/office/drawing/2010/main" w="9525">
                 <a:solidFill>
                   <a:schemeClr val="tx1"/>
                 </a:solidFill>
@@ -748,7 +750,7 @@
               </a14:hiddenLine>
             </a:ext>
             <a:ext uri="{AF507438-7753-43e0-B8FC-AC1667EBCBE1}">
-              <a14:hiddenEffects xmlns:a14="http://schemas.microsoft.com/office/drawing/2010/main" xmlns="">
+              <a14:hiddenEffects xmlns="" xmlns:a14="http://schemas.microsoft.com/office/drawing/2010/main">
                 <a:effectLst>
                   <a:outerShdw dist="35921" dir="2700000" algn="ctr" rotWithShape="0">
                     <a:schemeClr val="bg2"/>
@@ -957,7 +959,7 @@
           <a:effectLst/>
           <a:extLst>
             <a:ext uri="{91240B29-F687-4f45-9708-019B960494DF}">
-              <a14:hiddenLine xmlns:a14="http://schemas.microsoft.com/office/drawing/2010/main" xmlns="" w="9525">
+              <a14:hiddenLine xmlns="" xmlns:a14="http://schemas.microsoft.com/office/drawing/2010/main" w="9525">
                 <a:solidFill>
                   <a:schemeClr val="tx1"/>
                 </a:solidFill>
@@ -967,7 +969,7 @@
               </a14:hiddenLine>
             </a:ext>
             <a:ext uri="{AF507438-7753-43e0-B8FC-AC1667EBCBE1}">
-              <a14:hiddenEffects xmlns:a14="http://schemas.microsoft.com/office/drawing/2010/main" xmlns="">
+              <a14:hiddenEffects xmlns="" xmlns:a14="http://schemas.microsoft.com/office/drawing/2010/main">
                 <a:effectLst>
                   <a:outerShdw dist="35921" dir="2700000" algn="ctr" rotWithShape="0">
                     <a:schemeClr val="bg2"/>
@@ -1014,7 +1016,7 @@
           <a:effectLst/>
           <a:extLst>
             <a:ext uri="{91240B29-F687-4f45-9708-019B960494DF}">
-              <a14:hiddenLine xmlns:a14="http://schemas.microsoft.com/office/drawing/2010/main" xmlns="" w="9525">
+              <a14:hiddenLine xmlns="" xmlns:a14="http://schemas.microsoft.com/office/drawing/2010/main" w="9525">
                 <a:solidFill>
                   <a:schemeClr val="tx1"/>
                 </a:solidFill>
@@ -1024,7 +1026,7 @@
               </a14:hiddenLine>
             </a:ext>
             <a:ext uri="{AF507438-7753-43e0-B8FC-AC1667EBCBE1}">
-              <a14:hiddenEffects xmlns:a14="http://schemas.microsoft.com/office/drawing/2010/main" xmlns="">
+              <a14:hiddenEffects xmlns="" xmlns:a14="http://schemas.microsoft.com/office/drawing/2010/main">
                 <a:effectLst>
                   <a:outerShdw dist="35921" dir="2700000" algn="ctr" rotWithShape="0">
                     <a:schemeClr val="bg2"/>
@@ -1071,7 +1073,7 @@
           <a:effectLst/>
           <a:extLst>
             <a:ext uri="{91240B29-F687-4f45-9708-019B960494DF}">
-              <a14:hiddenLine xmlns:a14="http://schemas.microsoft.com/office/drawing/2010/main" xmlns="" w="9525">
+              <a14:hiddenLine xmlns="" xmlns:a14="http://schemas.microsoft.com/office/drawing/2010/main" w="9525">
                 <a:solidFill>
                   <a:schemeClr val="tx1"/>
                 </a:solidFill>
@@ -1081,7 +1083,7 @@
               </a14:hiddenLine>
             </a:ext>
             <a:ext uri="{AF507438-7753-43e0-B8FC-AC1667EBCBE1}">
-              <a14:hiddenEffects xmlns:a14="http://schemas.microsoft.com/office/drawing/2010/main" xmlns="">
+              <a14:hiddenEffects xmlns="" xmlns:a14="http://schemas.microsoft.com/office/drawing/2010/main">
                 <a:effectLst>
                   <a:outerShdw dist="35921" dir="2700000" algn="ctr" rotWithShape="0">
                     <a:schemeClr val="bg2"/>
@@ -1124,7 +1126,7 @@
           <a:effectLst/>
           <a:extLst>
             <a:ext uri="{91240B29-F687-4f45-9708-019B960494DF}">
-              <a14:hiddenLine xmlns:a14="http://schemas.microsoft.com/office/drawing/2010/main" xmlns="" w="9525">
+              <a14:hiddenLine xmlns="" xmlns:a14="http://schemas.microsoft.com/office/drawing/2010/main" w="9525">
                 <a:solidFill>
                   <a:schemeClr val="tx1"/>
                 </a:solidFill>
@@ -1134,7 +1136,7 @@
               </a14:hiddenLine>
             </a:ext>
             <a:ext uri="{AF507438-7753-43e0-B8FC-AC1667EBCBE1}">
-              <a14:hiddenEffects xmlns:a14="http://schemas.microsoft.com/office/drawing/2010/main" xmlns="">
+              <a14:hiddenEffects xmlns="" xmlns:a14="http://schemas.microsoft.com/office/drawing/2010/main">
                 <a:effectLst>
                   <a:outerShdw dist="35921" dir="2700000" algn="ctr" rotWithShape="0">
                     <a:schemeClr val="bg2"/>
@@ -1177,7 +1179,7 @@
           <a:effectLst/>
           <a:extLst>
             <a:ext uri="{91240B29-F687-4f45-9708-019B960494DF}">
-              <a14:hiddenLine xmlns:a14="http://schemas.microsoft.com/office/drawing/2010/main" xmlns="" w="9525">
+              <a14:hiddenLine xmlns="" xmlns:a14="http://schemas.microsoft.com/office/drawing/2010/main" w="9525">
                 <a:solidFill>
                   <a:schemeClr val="tx1"/>
                 </a:solidFill>
@@ -1187,7 +1189,7 @@
               </a14:hiddenLine>
             </a:ext>
             <a:ext uri="{AF507438-7753-43e0-B8FC-AC1667EBCBE1}">
-              <a14:hiddenEffects xmlns:a14="http://schemas.microsoft.com/office/drawing/2010/main" xmlns="">
+              <a14:hiddenEffects xmlns="" xmlns:a14="http://schemas.microsoft.com/office/drawing/2010/main">
                 <a:effectLst>
                   <a:outerShdw dist="35921" dir="2700000" algn="ctr" rotWithShape="0">
                     <a:schemeClr val="bg2"/>
@@ -1230,7 +1232,7 @@
           <a:effectLst/>
           <a:extLst>
             <a:ext uri="{91240B29-F687-4f45-9708-019B960494DF}">
-              <a14:hiddenLine xmlns:a14="http://schemas.microsoft.com/office/drawing/2010/main" xmlns="" w="9525">
+              <a14:hiddenLine xmlns="" xmlns:a14="http://schemas.microsoft.com/office/drawing/2010/main" w="9525">
                 <a:solidFill>
                   <a:schemeClr val="tx1"/>
                 </a:solidFill>
@@ -1240,7 +1242,7 @@
               </a14:hiddenLine>
             </a:ext>
             <a:ext uri="{AF507438-7753-43e0-B8FC-AC1667EBCBE1}">
-              <a14:hiddenEffects xmlns:a14="http://schemas.microsoft.com/office/drawing/2010/main" xmlns="">
+              <a14:hiddenEffects xmlns="" xmlns:a14="http://schemas.microsoft.com/office/drawing/2010/main">
                 <a:effectLst>
                   <a:outerShdw dist="35921" dir="2700000" algn="ctr" rotWithShape="0">
                     <a:schemeClr val="bg2"/>
@@ -1376,7 +1378,7 @@
             <a:effectLst/>
             <a:extLst>
               <a:ext uri="{91240B29-F687-4f45-9708-019B960494DF}">
-                <a14:hiddenLine xmlns:a14="http://schemas.microsoft.com/office/drawing/2010/main" xmlns="" w="9525">
+                <a14:hiddenLine xmlns="" xmlns:a14="http://schemas.microsoft.com/office/drawing/2010/main" w="9525">
                   <a:solidFill>
                     <a:schemeClr val="tx1"/>
                   </a:solidFill>
@@ -1386,7 +1388,7 @@
                 </a14:hiddenLine>
               </a:ext>
               <a:ext uri="{AF507438-7753-43e0-B8FC-AC1667EBCBE1}">
-                <a14:hiddenEffects xmlns:a14="http://schemas.microsoft.com/office/drawing/2010/main" xmlns="">
+                <a14:hiddenEffects xmlns="" xmlns:a14="http://schemas.microsoft.com/office/drawing/2010/main">
                   <a:effectLst>
                     <a:outerShdw dist="35921" dir="2700000" algn="ctr" rotWithShape="0">
                       <a:schemeClr val="bg2"/>
@@ -1506,7 +1508,7 @@
             <a:effectLst/>
             <a:extLst>
               <a:ext uri="{91240B29-F687-4f45-9708-019B960494DF}">
-                <a14:hiddenLine xmlns:a14="http://schemas.microsoft.com/office/drawing/2010/main" xmlns="" w="9525">
+                <a14:hiddenLine xmlns="" xmlns:a14="http://schemas.microsoft.com/office/drawing/2010/main" w="9525">
                   <a:solidFill>
                     <a:schemeClr val="tx1"/>
                   </a:solidFill>
@@ -1516,7 +1518,7 @@
                 </a14:hiddenLine>
               </a:ext>
               <a:ext uri="{AF507438-7753-43e0-B8FC-AC1667EBCBE1}">
-                <a14:hiddenEffects xmlns:a14="http://schemas.microsoft.com/office/drawing/2010/main" xmlns="">
+                <a14:hiddenEffects xmlns="" xmlns:a14="http://schemas.microsoft.com/office/drawing/2010/main">
                   <a:effectLst>
                     <a:outerShdw dist="35921" dir="2700000" algn="ctr" rotWithShape="0">
                       <a:schemeClr val="bg2"/>
@@ -1628,7 +1630,7 @@
             <a:effectLst/>
             <a:extLst>
               <a:ext uri="{91240B29-F687-4f45-9708-019B960494DF}">
-                <a14:hiddenLine xmlns:a14="http://schemas.microsoft.com/office/drawing/2010/main" xmlns="" w="9525">
+                <a14:hiddenLine xmlns="" xmlns:a14="http://schemas.microsoft.com/office/drawing/2010/main" w="9525">
                   <a:solidFill>
                     <a:schemeClr val="tx1"/>
                   </a:solidFill>
@@ -1638,7 +1640,7 @@
                 </a14:hiddenLine>
               </a:ext>
               <a:ext uri="{AF507438-7753-43e0-B8FC-AC1667EBCBE1}">
-                <a14:hiddenEffects xmlns:a14="http://schemas.microsoft.com/office/drawing/2010/main" xmlns="">
+                <a14:hiddenEffects xmlns="" xmlns:a14="http://schemas.microsoft.com/office/drawing/2010/main">
                   <a:effectLst>
                     <a:outerShdw dist="35921" dir="2700000" algn="ctr" rotWithShape="0">
                       <a:schemeClr val="bg2"/>
@@ -8492,7 +8494,7 @@
           <a:effectLst/>
           <a:extLst>
             <a:ext uri="{91240B29-F687-4f45-9708-019B960494DF}">
-              <a14:hiddenLine xmlns:a14="http://schemas.microsoft.com/office/drawing/2010/main" xmlns="" w="9525">
+              <a14:hiddenLine xmlns="" xmlns:a14="http://schemas.microsoft.com/office/drawing/2010/main" w="9525">
                 <a:solidFill>
                   <a:schemeClr val="tx1"/>
                 </a:solidFill>
@@ -8502,7 +8504,7 @@
               </a14:hiddenLine>
             </a:ext>
             <a:ext uri="{AF507438-7753-43e0-B8FC-AC1667EBCBE1}">
-              <a14:hiddenEffects xmlns:a14="http://schemas.microsoft.com/office/drawing/2010/main" xmlns="">
+              <a14:hiddenEffects xmlns="" xmlns:a14="http://schemas.microsoft.com/office/drawing/2010/main">
                 <a:effectLst>
                   <a:outerShdw dist="35921" dir="2700000" algn="ctr" rotWithShape="0">
                     <a:schemeClr val="bg2"/>
@@ -8545,7 +8547,7 @@
           <a:effectLst/>
           <a:extLst>
             <a:ext uri="{91240B29-F687-4f45-9708-019B960494DF}">
-              <a14:hiddenLine xmlns:a14="http://schemas.microsoft.com/office/drawing/2010/main" xmlns="" w="9525">
+              <a14:hiddenLine xmlns="" xmlns:a14="http://schemas.microsoft.com/office/drawing/2010/main" w="9525">
                 <a:solidFill>
                   <a:schemeClr val="tx1"/>
                 </a:solidFill>
@@ -8555,7 +8557,7 @@
               </a14:hiddenLine>
             </a:ext>
             <a:ext uri="{AF507438-7753-43e0-B8FC-AC1667EBCBE1}">
-              <a14:hiddenEffects xmlns:a14="http://schemas.microsoft.com/office/drawing/2010/main" xmlns="">
+              <a14:hiddenEffects xmlns="" xmlns:a14="http://schemas.microsoft.com/office/drawing/2010/main">
                 <a:effectLst>
                   <a:outerShdw dist="35921" dir="2700000" algn="ctr" rotWithShape="0">
                     <a:schemeClr val="bg2"/>
@@ -8691,7 +8693,7 @@
             <a:effectLst/>
             <a:extLst>
               <a:ext uri="{91240B29-F687-4f45-9708-019B960494DF}">
-                <a14:hiddenLine xmlns:a14="http://schemas.microsoft.com/office/drawing/2010/main" xmlns="" w="9525">
+                <a14:hiddenLine xmlns="" xmlns:a14="http://schemas.microsoft.com/office/drawing/2010/main" w="9525">
                   <a:solidFill>
                     <a:schemeClr val="tx1"/>
                   </a:solidFill>
@@ -8701,7 +8703,7 @@
                 </a14:hiddenLine>
               </a:ext>
               <a:ext uri="{AF507438-7753-43e0-B8FC-AC1667EBCBE1}">
-                <a14:hiddenEffects xmlns:a14="http://schemas.microsoft.com/office/drawing/2010/main" xmlns="">
+                <a14:hiddenEffects xmlns="" xmlns:a14="http://schemas.microsoft.com/office/drawing/2010/main">
                   <a:effectLst>
                     <a:outerShdw dist="35921" dir="2700000" algn="ctr" rotWithShape="0">
                       <a:schemeClr val="bg2"/>
@@ -8811,7 +8813,7 @@
             <a:effectLst/>
             <a:extLst>
               <a:ext uri="{91240B29-F687-4f45-9708-019B960494DF}">
-                <a14:hiddenLine xmlns:a14="http://schemas.microsoft.com/office/drawing/2010/main" xmlns="" w="9525">
+                <a14:hiddenLine xmlns="" xmlns:a14="http://schemas.microsoft.com/office/drawing/2010/main" w="9525">
                   <a:solidFill>
                     <a:schemeClr val="tx1"/>
                   </a:solidFill>
@@ -8821,7 +8823,7 @@
                 </a14:hiddenLine>
               </a:ext>
               <a:ext uri="{AF507438-7753-43e0-B8FC-AC1667EBCBE1}">
-                <a14:hiddenEffects xmlns:a14="http://schemas.microsoft.com/office/drawing/2010/main" xmlns="">
+                <a14:hiddenEffects xmlns="" xmlns:a14="http://schemas.microsoft.com/office/drawing/2010/main">
                   <a:effectLst>
                     <a:outerShdw dist="35921" dir="2700000" algn="ctr" rotWithShape="0">
                       <a:schemeClr val="bg2"/>
@@ -8933,7 +8935,7 @@
             <a:effectLst/>
             <a:extLst>
               <a:ext uri="{91240B29-F687-4f45-9708-019B960494DF}">
-                <a14:hiddenLine xmlns:a14="http://schemas.microsoft.com/office/drawing/2010/main" xmlns="" w="9525">
+                <a14:hiddenLine xmlns="" xmlns:a14="http://schemas.microsoft.com/office/drawing/2010/main" w="9525">
                   <a:solidFill>
                     <a:schemeClr val="tx1"/>
                   </a:solidFill>
@@ -8943,7 +8945,7 @@
                 </a14:hiddenLine>
               </a:ext>
               <a:ext uri="{AF507438-7753-43e0-B8FC-AC1667EBCBE1}">
-                <a14:hiddenEffects xmlns:a14="http://schemas.microsoft.com/office/drawing/2010/main" xmlns="">
+                <a14:hiddenEffects xmlns="" xmlns:a14="http://schemas.microsoft.com/office/drawing/2010/main">
                   <a:effectLst>
                     <a:outerShdw dist="35921" dir="2700000" algn="ctr" rotWithShape="0">
                       <a:schemeClr val="bg2"/>
@@ -8987,7 +8989,7 @@
           <a:effectLst/>
           <a:extLst>
             <a:ext uri="{91240B29-F687-4f45-9708-019B960494DF}">
-              <a14:hiddenLine xmlns:a14="http://schemas.microsoft.com/office/drawing/2010/main" xmlns="" w="9525">
+              <a14:hiddenLine xmlns="" xmlns:a14="http://schemas.microsoft.com/office/drawing/2010/main" w="9525">
                 <a:solidFill>
                   <a:schemeClr val="tx1"/>
                 </a:solidFill>
@@ -8997,7 +8999,7 @@
               </a14:hiddenLine>
             </a:ext>
             <a:ext uri="{AF507438-7753-43e0-B8FC-AC1667EBCBE1}">
-              <a14:hiddenEffects xmlns:a14="http://schemas.microsoft.com/office/drawing/2010/main" xmlns="">
+              <a14:hiddenEffects xmlns="" xmlns:a14="http://schemas.microsoft.com/office/drawing/2010/main">
                 <a:effectLst>
                   <a:outerShdw dist="35921" dir="2700000" algn="ctr" rotWithShape="0">
                     <a:schemeClr val="bg2"/>
@@ -9044,7 +9046,7 @@
           <a:effectLst/>
           <a:extLst>
             <a:ext uri="{91240B29-F687-4f45-9708-019B960494DF}">
-              <a14:hiddenLine xmlns:a14="http://schemas.microsoft.com/office/drawing/2010/main" xmlns="" w="9525">
+              <a14:hiddenLine xmlns="" xmlns:a14="http://schemas.microsoft.com/office/drawing/2010/main" w="9525">
                 <a:solidFill>
                   <a:schemeClr val="tx1"/>
                 </a:solidFill>
@@ -9054,7 +9056,7 @@
               </a14:hiddenLine>
             </a:ext>
             <a:ext uri="{AF507438-7753-43e0-B8FC-AC1667EBCBE1}">
-              <a14:hiddenEffects xmlns:a14="http://schemas.microsoft.com/office/drawing/2010/main" xmlns="">
+              <a14:hiddenEffects xmlns="" xmlns:a14="http://schemas.microsoft.com/office/drawing/2010/main">
                 <a:effectLst>
                   <a:outerShdw dist="35921" dir="2700000" algn="ctr" rotWithShape="0">
                     <a:schemeClr val="bg2"/>
@@ -9101,7 +9103,7 @@
           <a:effectLst/>
           <a:extLst>
             <a:ext uri="{91240B29-F687-4f45-9708-019B960494DF}">
-              <a14:hiddenLine xmlns:a14="http://schemas.microsoft.com/office/drawing/2010/main" xmlns="" w="9525">
+              <a14:hiddenLine xmlns="" xmlns:a14="http://schemas.microsoft.com/office/drawing/2010/main" w="9525">
                 <a:solidFill>
                   <a:schemeClr val="tx1"/>
                 </a:solidFill>
@@ -9111,7 +9113,7 @@
               </a14:hiddenLine>
             </a:ext>
             <a:ext uri="{AF507438-7753-43e0-B8FC-AC1667EBCBE1}">
-              <a14:hiddenEffects xmlns:a14="http://schemas.microsoft.com/office/drawing/2010/main" xmlns="">
+              <a14:hiddenEffects xmlns="" xmlns:a14="http://schemas.microsoft.com/office/drawing/2010/main">
                 <a:effectLst>
                   <a:outerShdw dist="35921" dir="2700000" algn="ctr" rotWithShape="0">
                     <a:schemeClr val="bg2"/>
@@ -9154,7 +9156,7 @@
           <a:effectLst/>
           <a:extLst>
             <a:ext uri="{91240B29-F687-4f45-9708-019B960494DF}">
-              <a14:hiddenLine xmlns:a14="http://schemas.microsoft.com/office/drawing/2010/main" xmlns="" w="9525">
+              <a14:hiddenLine xmlns="" xmlns:a14="http://schemas.microsoft.com/office/drawing/2010/main" w="9525">
                 <a:solidFill>
                   <a:schemeClr val="tx1"/>
                 </a:solidFill>
@@ -9164,7 +9166,7 @@
               </a14:hiddenLine>
             </a:ext>
             <a:ext uri="{AF507438-7753-43e0-B8FC-AC1667EBCBE1}">
-              <a14:hiddenEffects xmlns:a14="http://schemas.microsoft.com/office/drawing/2010/main" xmlns="">
+              <a14:hiddenEffects xmlns="" xmlns:a14="http://schemas.microsoft.com/office/drawing/2010/main">
                 <a:effectLst>
                   <a:outerShdw dist="35921" dir="2700000" algn="ctr" rotWithShape="0">
                     <a:schemeClr val="bg2"/>
@@ -9211,7 +9213,7 @@
           <a:effectLst/>
           <a:extLst>
             <a:ext uri="{91240B29-F687-4f45-9708-019B960494DF}">
-              <a14:hiddenLine xmlns:a14="http://schemas.microsoft.com/office/drawing/2010/main" xmlns="" w="9525">
+              <a14:hiddenLine xmlns="" xmlns:a14="http://schemas.microsoft.com/office/drawing/2010/main" w="9525">
                 <a:solidFill>
                   <a:schemeClr val="tx1"/>
                 </a:solidFill>
@@ -9221,7 +9223,7 @@
               </a14:hiddenLine>
             </a:ext>
             <a:ext uri="{AF507438-7753-43e0-B8FC-AC1667EBCBE1}">
-              <a14:hiddenEffects xmlns:a14="http://schemas.microsoft.com/office/drawing/2010/main" xmlns="">
+              <a14:hiddenEffects xmlns="" xmlns:a14="http://schemas.microsoft.com/office/drawing/2010/main">
                 <a:effectLst>
                   <a:outerShdw dist="35921" dir="2700000" algn="ctr" rotWithShape="0">
                     <a:schemeClr val="bg2"/>
@@ -9394,7 +9396,7 @@
           <a:effectLst/>
           <a:extLst>
             <a:ext uri="{91240B29-F687-4f45-9708-019B960494DF}">
-              <a14:hiddenLine xmlns:a14="http://schemas.microsoft.com/office/drawing/2010/main" xmlns="" w="9525">
+              <a14:hiddenLine xmlns="" xmlns:a14="http://schemas.microsoft.com/office/drawing/2010/main" w="9525">
                 <a:solidFill>
                   <a:schemeClr val="tx1"/>
                 </a:solidFill>
@@ -9404,7 +9406,7 @@
               </a14:hiddenLine>
             </a:ext>
             <a:ext uri="{AF507438-7753-43e0-B8FC-AC1667EBCBE1}">
-              <a14:hiddenEffects xmlns:a14="http://schemas.microsoft.com/office/drawing/2010/main" xmlns="">
+              <a14:hiddenEffects xmlns="" xmlns:a14="http://schemas.microsoft.com/office/drawing/2010/main">
                 <a:effectLst>
                   <a:outerShdw dist="35921" dir="2700000" algn="ctr" rotWithShape="0">
                     <a:schemeClr val="bg2"/>
@@ -9454,7 +9456,7 @@
           <a:noFill/>
           <a:extLst>
             <a:ext uri="{909E8E84-426E-40dd-AFC4-6F175D3DCCD1}">
-              <a14:hiddenFill xmlns:a14="http://schemas.microsoft.com/office/drawing/2010/main" xmlns="">
+              <a14:hiddenFill xmlns="" xmlns:a14="http://schemas.microsoft.com/office/drawing/2010/main">
                 <a:solidFill>
                   <a:srgbClr val="FFFFFF"/>
                 </a:solidFill>
@@ -9528,7 +9530,7 @@
           <a:effectLst/>
           <a:extLst>
             <a:ext uri="{91240B29-F687-4f45-9708-019B960494DF}">
-              <a14:hiddenLine xmlns:a14="http://schemas.microsoft.com/office/drawing/2010/main" xmlns="" w="9525">
+              <a14:hiddenLine xmlns="" xmlns:a14="http://schemas.microsoft.com/office/drawing/2010/main" w="9525">
                 <a:solidFill>
                   <a:schemeClr val="tx1"/>
                 </a:solidFill>
@@ -9538,7 +9540,7 @@
               </a14:hiddenLine>
             </a:ext>
             <a:ext uri="{AF507438-7753-43e0-B8FC-AC1667EBCBE1}">
-              <a14:hiddenEffects xmlns:a14="http://schemas.microsoft.com/office/drawing/2010/main" xmlns="">
+              <a14:hiddenEffects xmlns="" xmlns:a14="http://schemas.microsoft.com/office/drawing/2010/main">
                 <a:effectLst>
                   <a:outerShdw dist="35921" dir="2700000" algn="ctr" rotWithShape="0">
                     <a:schemeClr val="bg2"/>
@@ -18976,7 +18978,7 @@
           <a:effectLst/>
           <a:extLst>
             <a:ext uri="{91240B29-F687-4f45-9708-019B960494DF}">
-              <a14:hiddenLine xmlns:a14="http://schemas.microsoft.com/office/drawing/2010/main" xmlns="" w="9525">
+              <a14:hiddenLine xmlns="" xmlns:a14="http://schemas.microsoft.com/office/drawing/2010/main" w="9525">
                 <a:solidFill>
                   <a:schemeClr val="tx1"/>
                 </a:solidFill>
@@ -18986,7 +18988,7 @@
               </a14:hiddenLine>
             </a:ext>
             <a:ext uri="{AF507438-7753-43e0-B8FC-AC1667EBCBE1}">
-              <a14:hiddenEffects xmlns:a14="http://schemas.microsoft.com/office/drawing/2010/main" xmlns="">
+              <a14:hiddenEffects xmlns="" xmlns:a14="http://schemas.microsoft.com/office/drawing/2010/main">
                 <a:effectLst>
                   <a:outerShdw dist="35921" dir="2700000" algn="ctr" rotWithShape="0">
                     <a:schemeClr val="bg2"/>
@@ -19096,7 +19098,7 @@
           <a:effectLst/>
           <a:extLst>
             <a:ext uri="{91240B29-F687-4f45-9708-019B960494DF}">
-              <a14:hiddenLine xmlns:a14="http://schemas.microsoft.com/office/drawing/2010/main" xmlns="" w="9525">
+              <a14:hiddenLine xmlns="" xmlns:a14="http://schemas.microsoft.com/office/drawing/2010/main" w="9525">
                 <a:solidFill>
                   <a:schemeClr val="tx1"/>
                 </a:solidFill>
@@ -19106,7 +19108,7 @@
               </a14:hiddenLine>
             </a:ext>
             <a:ext uri="{AF507438-7753-43e0-B8FC-AC1667EBCBE1}">
-              <a14:hiddenEffects xmlns:a14="http://schemas.microsoft.com/office/drawing/2010/main" xmlns="">
+              <a14:hiddenEffects xmlns="" xmlns:a14="http://schemas.microsoft.com/office/drawing/2010/main">
                 <a:effectLst>
                   <a:outerShdw dist="35921" dir="2700000" algn="ctr" rotWithShape="0">
                     <a:schemeClr val="bg2"/>
@@ -19215,7 +19217,7 @@
           <a:effectLst/>
           <a:extLst>
             <a:ext uri="{91240B29-F687-4f45-9708-019B960494DF}">
-              <a14:hiddenLine xmlns:a14="http://schemas.microsoft.com/office/drawing/2010/main" xmlns="" w="9525">
+              <a14:hiddenLine xmlns="" xmlns:a14="http://schemas.microsoft.com/office/drawing/2010/main" w="9525">
                 <a:solidFill>
                   <a:schemeClr val="tx1"/>
                 </a:solidFill>
@@ -19225,7 +19227,7 @@
               </a14:hiddenLine>
             </a:ext>
             <a:ext uri="{AF507438-7753-43e0-B8FC-AC1667EBCBE1}">
-              <a14:hiddenEffects xmlns:a14="http://schemas.microsoft.com/office/drawing/2010/main" xmlns="">
+              <a14:hiddenEffects xmlns="" xmlns:a14="http://schemas.microsoft.com/office/drawing/2010/main">
                 <a:effectLst>
                   <a:outerShdw dist="35921" dir="2700000" algn="ctr" rotWithShape="0">
                     <a:schemeClr val="bg2"/>
@@ -19335,7 +19337,7 @@
           <a:effectLst/>
           <a:extLst>
             <a:ext uri="{91240B29-F687-4f45-9708-019B960494DF}">
-              <a14:hiddenLine xmlns:a14="http://schemas.microsoft.com/office/drawing/2010/main" xmlns="" w="9525">
+              <a14:hiddenLine xmlns="" xmlns:a14="http://schemas.microsoft.com/office/drawing/2010/main" w="9525">
                 <a:solidFill>
                   <a:schemeClr val="tx1"/>
                 </a:solidFill>
@@ -19345,7 +19347,7 @@
               </a14:hiddenLine>
             </a:ext>
             <a:ext uri="{AF507438-7753-43e0-B8FC-AC1667EBCBE1}">
-              <a14:hiddenEffects xmlns:a14="http://schemas.microsoft.com/office/drawing/2010/main" xmlns="">
+              <a14:hiddenEffects xmlns="" xmlns:a14="http://schemas.microsoft.com/office/drawing/2010/main">
                 <a:effectLst>
                   <a:outerShdw dist="35921" dir="2700000" algn="ctr" rotWithShape="0">
                     <a:schemeClr val="bg2"/>
@@ -19467,7 +19469,7 @@
           <a:effectLst/>
           <a:extLst>
             <a:ext uri="{91240B29-F687-4f45-9708-019B960494DF}">
-              <a14:hiddenLine xmlns:a14="http://schemas.microsoft.com/office/drawing/2010/main" xmlns="" w="9525">
+              <a14:hiddenLine xmlns="" xmlns:a14="http://schemas.microsoft.com/office/drawing/2010/main" w="9525">
                 <a:solidFill>
                   <a:schemeClr val="tx1"/>
                 </a:solidFill>
@@ -19477,7 +19479,7 @@
               </a14:hiddenLine>
             </a:ext>
             <a:ext uri="{AF507438-7753-43e0-B8FC-AC1667EBCBE1}">
-              <a14:hiddenEffects xmlns:a14="http://schemas.microsoft.com/office/drawing/2010/main" xmlns="">
+              <a14:hiddenEffects xmlns="" xmlns:a14="http://schemas.microsoft.com/office/drawing/2010/main">
                 <a:effectLst>
                   <a:outerShdw dist="35921" dir="2700000" algn="ctr" rotWithShape="0">
                     <a:schemeClr val="bg2"/>
@@ -19520,7 +19522,7 @@
           <a:effectLst/>
           <a:extLst>
             <a:ext uri="{91240B29-F687-4f45-9708-019B960494DF}">
-              <a14:hiddenLine xmlns:a14="http://schemas.microsoft.com/office/drawing/2010/main" xmlns="" w="9525">
+              <a14:hiddenLine xmlns="" xmlns:a14="http://schemas.microsoft.com/office/drawing/2010/main" w="9525">
                 <a:solidFill>
                   <a:schemeClr val="tx1"/>
                 </a:solidFill>
@@ -19530,7 +19532,7 @@
               </a14:hiddenLine>
             </a:ext>
             <a:ext uri="{AF507438-7753-43e0-B8FC-AC1667EBCBE1}">
-              <a14:hiddenEffects xmlns:a14="http://schemas.microsoft.com/office/drawing/2010/main" xmlns="">
+              <a14:hiddenEffects xmlns="" xmlns:a14="http://schemas.microsoft.com/office/drawing/2010/main">
                 <a:effectLst>
                   <a:outerShdw dist="35921" dir="2700000" algn="ctr" rotWithShape="0">
                     <a:schemeClr val="bg2"/>
@@ -19626,7 +19628,7 @@
           <a:effectLst/>
           <a:extLst>
             <a:ext uri="{91240B29-F687-4f45-9708-019B960494DF}">
-              <a14:hiddenLine xmlns:a14="http://schemas.microsoft.com/office/drawing/2010/main" xmlns="" w="9525">
+              <a14:hiddenLine xmlns="" xmlns:a14="http://schemas.microsoft.com/office/drawing/2010/main" w="9525">
                 <a:solidFill>
                   <a:schemeClr val="tx1"/>
                 </a:solidFill>
@@ -19636,7 +19638,7 @@
               </a14:hiddenLine>
             </a:ext>
             <a:ext uri="{AF507438-7753-43e0-B8FC-AC1667EBCBE1}">
-              <a14:hiddenEffects xmlns:a14="http://schemas.microsoft.com/office/drawing/2010/main" xmlns="">
+              <a14:hiddenEffects xmlns="" xmlns:a14="http://schemas.microsoft.com/office/drawing/2010/main">
                 <a:effectLst>
                   <a:outerShdw dist="35921" dir="2700000" algn="ctr" rotWithShape="0">
                     <a:schemeClr val="bg2"/>
@@ -19679,14 +19681,14 @@
           <a:effectLst/>
           <a:extLst>
             <a:ext uri="{909E8E84-426E-40dd-AFC4-6F175D3DCCD1}">
-              <a14:hiddenFill xmlns:a14="http://schemas.microsoft.com/office/drawing/2010/main" xmlns="">
+              <a14:hiddenFill xmlns="" xmlns:a14="http://schemas.microsoft.com/office/drawing/2010/main">
                 <a:solidFill>
                   <a:schemeClr val="accent1"/>
                 </a:solidFill>
               </a14:hiddenFill>
             </a:ext>
             <a:ext uri="{91240B29-F687-4f45-9708-019B960494DF}">
-              <a14:hiddenLine xmlns:a14="http://schemas.microsoft.com/office/drawing/2010/main" xmlns="" w="9525">
+              <a14:hiddenLine xmlns="" xmlns:a14="http://schemas.microsoft.com/office/drawing/2010/main" w="9525">
                 <a:solidFill>
                   <a:schemeClr val="tx1"/>
                 </a:solidFill>
@@ -19696,7 +19698,7 @@
               </a14:hiddenLine>
             </a:ext>
             <a:ext uri="{AF507438-7753-43e0-B8FC-AC1667EBCBE1}">
-              <a14:hiddenEffects xmlns:a14="http://schemas.microsoft.com/office/drawing/2010/main" xmlns="">
+              <a14:hiddenEffects xmlns="" xmlns:a14="http://schemas.microsoft.com/office/drawing/2010/main">
                 <a:effectLst>
                   <a:outerShdw dist="35921" dir="2700000" algn="ctr" rotWithShape="0">
                     <a:schemeClr val="bg2"/>
@@ -19747,14 +19749,14 @@
           <a:effectLst/>
           <a:extLst>
             <a:ext uri="{909E8E84-426E-40dd-AFC4-6F175D3DCCD1}">
-              <a14:hiddenFill xmlns:a14="http://schemas.microsoft.com/office/drawing/2010/main" xmlns="">
+              <a14:hiddenFill xmlns="" xmlns:a14="http://schemas.microsoft.com/office/drawing/2010/main">
                 <a:solidFill>
                   <a:schemeClr val="accent1"/>
                 </a:solidFill>
               </a14:hiddenFill>
             </a:ext>
             <a:ext uri="{91240B29-F687-4f45-9708-019B960494DF}">
-              <a14:hiddenLine xmlns:a14="http://schemas.microsoft.com/office/drawing/2010/main" xmlns="" w="9525">
+              <a14:hiddenLine xmlns="" xmlns:a14="http://schemas.microsoft.com/office/drawing/2010/main" w="9525">
                 <a:solidFill>
                   <a:schemeClr val="tx1"/>
                 </a:solidFill>
@@ -19764,7 +19766,7 @@
               </a14:hiddenLine>
             </a:ext>
             <a:ext uri="{AF507438-7753-43e0-B8FC-AC1667EBCBE1}">
-              <a14:hiddenEffects xmlns:a14="http://schemas.microsoft.com/office/drawing/2010/main" xmlns="">
+              <a14:hiddenEffects xmlns="" xmlns:a14="http://schemas.microsoft.com/office/drawing/2010/main">
                 <a:effectLst>
                   <a:outerShdw dist="35921" dir="2700000" algn="ctr" rotWithShape="0">
                     <a:schemeClr val="bg2"/>
@@ -19843,14 +19845,14 @@
           <a:effectLst/>
           <a:extLst>
             <a:ext uri="{909E8E84-426E-40dd-AFC4-6F175D3DCCD1}">
-              <a14:hiddenFill xmlns:a14="http://schemas.microsoft.com/office/drawing/2010/main" xmlns="">
+              <a14:hiddenFill xmlns="" xmlns:a14="http://schemas.microsoft.com/office/drawing/2010/main">
                 <a:solidFill>
                   <a:schemeClr val="accent1"/>
                 </a:solidFill>
               </a14:hiddenFill>
             </a:ext>
             <a:ext uri="{91240B29-F687-4f45-9708-019B960494DF}">
-              <a14:hiddenLine xmlns:a14="http://schemas.microsoft.com/office/drawing/2010/main" xmlns="" w="9525">
+              <a14:hiddenLine xmlns="" xmlns:a14="http://schemas.microsoft.com/office/drawing/2010/main" w="9525">
                 <a:solidFill>
                   <a:schemeClr val="tx1"/>
                 </a:solidFill>
@@ -19860,7 +19862,7 @@
               </a14:hiddenLine>
             </a:ext>
             <a:ext uri="{AF507438-7753-43e0-B8FC-AC1667EBCBE1}">
-              <a14:hiddenEffects xmlns:a14="http://schemas.microsoft.com/office/drawing/2010/main" xmlns="">
+              <a14:hiddenEffects xmlns="" xmlns:a14="http://schemas.microsoft.com/office/drawing/2010/main">
                 <a:effectLst>
                   <a:outerShdw dist="35921" dir="2700000" algn="ctr" rotWithShape="0">
                     <a:schemeClr val="bg2"/>
@@ -19916,14 +19918,14 @@
           <a:effectLst/>
           <a:extLst>
             <a:ext uri="{909E8E84-426E-40dd-AFC4-6F175D3DCCD1}">
-              <a14:hiddenFill xmlns:a14="http://schemas.microsoft.com/office/drawing/2010/main" xmlns="">
+              <a14:hiddenFill xmlns="" xmlns:a14="http://schemas.microsoft.com/office/drawing/2010/main">
                 <a:solidFill>
                   <a:schemeClr val="accent1"/>
                 </a:solidFill>
               </a14:hiddenFill>
             </a:ext>
             <a:ext uri="{91240B29-F687-4f45-9708-019B960494DF}">
-              <a14:hiddenLine xmlns:a14="http://schemas.microsoft.com/office/drawing/2010/main" xmlns="" w="9525">
+              <a14:hiddenLine xmlns="" xmlns:a14="http://schemas.microsoft.com/office/drawing/2010/main" w="9525">
                 <a:solidFill>
                   <a:schemeClr val="tx1"/>
                 </a:solidFill>
@@ -19933,7 +19935,7 @@
               </a14:hiddenLine>
             </a:ext>
             <a:ext uri="{AF507438-7753-43e0-B8FC-AC1667EBCBE1}">
-              <a14:hiddenEffects xmlns:a14="http://schemas.microsoft.com/office/drawing/2010/main" xmlns="">
+              <a14:hiddenEffects xmlns="" xmlns:a14="http://schemas.microsoft.com/office/drawing/2010/main">
                 <a:effectLst>
                   <a:outerShdw dist="35921" dir="2700000" algn="ctr" rotWithShape="0">
                     <a:schemeClr val="bg2"/>
@@ -19989,14 +19991,14 @@
           <a:effectLst/>
           <a:extLst>
             <a:ext uri="{909E8E84-426E-40dd-AFC4-6F175D3DCCD1}">
-              <a14:hiddenFill xmlns:a14="http://schemas.microsoft.com/office/drawing/2010/main" xmlns="">
+              <a14:hiddenFill xmlns="" xmlns:a14="http://schemas.microsoft.com/office/drawing/2010/main">
                 <a:solidFill>
                   <a:schemeClr val="accent1"/>
                 </a:solidFill>
               </a14:hiddenFill>
             </a:ext>
             <a:ext uri="{91240B29-F687-4f45-9708-019B960494DF}">
-              <a14:hiddenLine xmlns:a14="http://schemas.microsoft.com/office/drawing/2010/main" xmlns="" w="9525">
+              <a14:hiddenLine xmlns="" xmlns:a14="http://schemas.microsoft.com/office/drawing/2010/main" w="9525">
                 <a:solidFill>
                   <a:schemeClr val="tx1"/>
                 </a:solidFill>
@@ -20006,7 +20008,7 @@
               </a14:hiddenLine>
             </a:ext>
             <a:ext uri="{AF507438-7753-43e0-B8FC-AC1667EBCBE1}">
-              <a14:hiddenEffects xmlns:a14="http://schemas.microsoft.com/office/drawing/2010/main" xmlns="">
+              <a14:hiddenEffects xmlns="" xmlns:a14="http://schemas.microsoft.com/office/drawing/2010/main">
                 <a:effectLst>
                   <a:outerShdw dist="35921" dir="2700000" algn="ctr" rotWithShape="0">
                     <a:schemeClr val="bg2"/>
@@ -20076,7 +20078,7 @@
           <a:effectLst/>
           <a:extLst>
             <a:ext uri="{AF507438-7753-43e0-B8FC-AC1667EBCBE1}">
-              <a14:hiddenEffects xmlns:a14="http://schemas.microsoft.com/office/drawing/2010/main" xmlns="">
+              <a14:hiddenEffects xmlns="" xmlns:a14="http://schemas.microsoft.com/office/drawing/2010/main">
                 <a:effectLst>
                   <a:outerShdw dist="35921" dir="2700000" algn="ctr" rotWithShape="0">
                     <a:schemeClr val="bg2"/>
@@ -20128,7 +20130,7 @@
           <a:effectLst/>
           <a:extLst>
             <a:ext uri="{AF507438-7753-43e0-B8FC-AC1667EBCBE1}">
-              <a14:hiddenEffects xmlns:a14="http://schemas.microsoft.com/office/drawing/2010/main" xmlns="">
+              <a14:hiddenEffects xmlns="" xmlns:a14="http://schemas.microsoft.com/office/drawing/2010/main">
                 <a:effectLst>
                   <a:outerShdw dist="35921" dir="2700000" algn="ctr" rotWithShape="0">
                     <a:schemeClr val="bg2"/>
@@ -20178,7 +20180,7 @@
           <a:effectLst/>
           <a:extLst>
             <a:ext uri="{AF507438-7753-43e0-B8FC-AC1667EBCBE1}">
-              <a14:hiddenEffects xmlns:a14="http://schemas.microsoft.com/office/drawing/2010/main" xmlns="">
+              <a14:hiddenEffects xmlns="" xmlns:a14="http://schemas.microsoft.com/office/drawing/2010/main">
                 <a:effectLst>
                   <a:outerShdw dist="35921" dir="2700000" algn="ctr" rotWithShape="0">
                     <a:schemeClr val="bg2"/>
@@ -20653,6 +20655,152 @@
     <p:extLst>
       <p:ext uri="{BB962C8B-B14F-4D97-AF65-F5344CB8AC3E}">
         <p14:creationId xmlns:p14="http://schemas.microsoft.com/office/powerpoint/2010/main" val="2936053672"/>
+      </p:ext>
+    </p:extLst>
+  </p:cSld>
+  <p:clrMapOvr>
+    <a:masterClrMapping/>
+  </p:clrMapOvr>
+</p:sld>
+</file>
+
+<file path=ppt/slides/slide10.xml><?xml version="1.0" encoding="utf-8"?>
+<p:sld xmlns:a="http://schemas.openxmlformats.org/drawingml/2006/main" xmlns:r="http://schemas.openxmlformats.org/officeDocument/2006/relationships" xmlns:p="http://schemas.openxmlformats.org/presentationml/2006/main">
+  <p:cSld>
+    <p:spTree>
+      <p:nvGrpSpPr>
+        <p:cNvPr id="1" name=""/>
+        <p:cNvGrpSpPr/>
+        <p:nvPr/>
+      </p:nvGrpSpPr>
+      <p:grpSpPr>
+        <a:xfrm>
+          <a:off x="0" y="0"/>
+          <a:ext cx="0" cy="0"/>
+          <a:chOff x="0" y="0"/>
+          <a:chExt cx="0" cy="0"/>
+        </a:xfrm>
+      </p:grpSpPr>
+      <p:sp>
+        <p:nvSpPr>
+          <p:cNvPr id="5" name="副标题 4"/>
+          <p:cNvSpPr>
+            <a:spLocks noGrp="1"/>
+          </p:cNvSpPr>
+          <p:nvPr>
+            <p:ph type="subTitle" idx="1"/>
+          </p:nvPr>
+        </p:nvSpPr>
+        <p:spPr/>
+        <p:txBody>
+          <a:bodyPr/>
+          <a:lstStyle/>
+          <a:p>
+            <a:endParaRPr lang="zh-CN" altLang="en-US"/>
+          </a:p>
+        </p:txBody>
+      </p:sp>
+      <p:sp>
+        <p:nvSpPr>
+          <p:cNvPr id="4" name="标题 3"/>
+          <p:cNvSpPr>
+            <a:spLocks noGrp="1"/>
+          </p:cNvSpPr>
+          <p:nvPr>
+            <p:ph type="ctrTitle"/>
+          </p:nvPr>
+        </p:nvSpPr>
+        <p:spPr/>
+        <p:txBody>
+          <a:bodyPr/>
+          <a:lstStyle/>
+          <a:p>
+            <a:r>
+              <a:rPr lang="en-US" altLang="zh-CN" dirty="0"/>
+              <a:t>AngularJS</a:t>
+            </a:r>
+            <a:r>
+              <a:rPr lang="zh-CN" altLang="en-US" dirty="0"/>
+              <a:t>基础知识</a:t>
+            </a:r>
+          </a:p>
+        </p:txBody>
+      </p:sp>
+    </p:spTree>
+    <p:extLst>
+      <p:ext uri="{BB962C8B-B14F-4D97-AF65-F5344CB8AC3E}">
+        <p14:creationId xmlns:p14="http://schemas.microsoft.com/office/powerpoint/2010/main" val="2912804574"/>
+      </p:ext>
+    </p:extLst>
+  </p:cSld>
+  <p:clrMapOvr>
+    <a:masterClrMapping/>
+  </p:clrMapOvr>
+</p:sld>
+</file>
+
+<file path=ppt/slides/slide11.xml><?xml version="1.0" encoding="utf-8"?>
+<p:sld xmlns:a="http://schemas.openxmlformats.org/drawingml/2006/main" xmlns:r="http://schemas.openxmlformats.org/officeDocument/2006/relationships" xmlns:p="http://schemas.openxmlformats.org/presentationml/2006/main">
+  <p:cSld>
+    <p:spTree>
+      <p:nvGrpSpPr>
+        <p:cNvPr id="1" name=""/>
+        <p:cNvGrpSpPr/>
+        <p:nvPr/>
+      </p:nvGrpSpPr>
+      <p:grpSpPr>
+        <a:xfrm>
+          <a:off x="0" y="0"/>
+          <a:ext cx="0" cy="0"/>
+          <a:chOff x="0" y="0"/>
+          <a:chExt cx="0" cy="0"/>
+        </a:xfrm>
+      </p:grpSpPr>
+      <p:sp>
+        <p:nvSpPr>
+          <p:cNvPr id="2" name="标题 1"/>
+          <p:cNvSpPr>
+            <a:spLocks noGrp="1"/>
+          </p:cNvSpPr>
+          <p:nvPr>
+            <p:ph type="title"/>
+          </p:nvPr>
+        </p:nvSpPr>
+        <p:spPr/>
+        <p:txBody>
+          <a:bodyPr/>
+          <a:lstStyle/>
+          <a:p>
+            <a:r>
+              <a:rPr lang="zh-CN" altLang="en-US" dirty="0"/>
+              <a:t>表达式</a:t>
+            </a:r>
+          </a:p>
+        </p:txBody>
+      </p:sp>
+      <p:sp>
+        <p:nvSpPr>
+          <p:cNvPr id="3" name="内容占位符 2"/>
+          <p:cNvSpPr>
+            <a:spLocks noGrp="1"/>
+          </p:cNvSpPr>
+          <p:nvPr>
+            <p:ph idx="1"/>
+          </p:nvPr>
+        </p:nvSpPr>
+        <p:spPr/>
+        <p:txBody>
+          <a:bodyPr/>
+          <a:lstStyle/>
+          <a:p>
+            <a:endParaRPr lang="zh-CN" altLang="en-US" dirty="0"/>
+          </a:p>
+        </p:txBody>
+      </p:sp>
+    </p:spTree>
+    <p:extLst>
+      <p:ext uri="{BB962C8B-B14F-4D97-AF65-F5344CB8AC3E}">
+        <p14:creationId xmlns:p14="http://schemas.microsoft.com/office/powerpoint/2010/main" val="1762259118"/>
       </p:ext>
     </p:extLst>
   </p:cSld>
@@ -21935,7 +22083,7 @@
         <a:effectLst/>
         <a:extLst>
           <a:ext uri="{91240B29-F687-4f45-9708-019B960494DF}">
-            <a14:hiddenLine xmlns:a14="http://schemas.microsoft.com/office/drawing/2010/main" xmlns="" w="9525" cap="flat" cmpd="sng" algn="ctr">
+            <a14:hiddenLine xmlns="" xmlns:a14="http://schemas.microsoft.com/office/drawing/2010/main" w="9525" cap="flat" cmpd="sng" algn="ctr">
               <a:solidFill>
                 <a:schemeClr val="tx1"/>
               </a:solidFill>
@@ -21946,7 +22094,7 @@
             </a14:hiddenLine>
           </a:ext>
           <a:ext uri="{AF507438-7753-43e0-B8FC-AC1667EBCBE1}">
-            <a14:hiddenEffects xmlns:a14="http://schemas.microsoft.com/office/drawing/2010/main" xmlns="">
+            <a14:hiddenEffects xmlns="" xmlns:a14="http://schemas.microsoft.com/office/drawing/2010/main">
               <a:effectLst>
                 <a:outerShdw dist="35921" dir="2700000" algn="ctr" rotWithShape="0">
                   <a:schemeClr val="bg2"/>
@@ -22017,7 +22165,7 @@
         <a:effectLst/>
         <a:extLst>
           <a:ext uri="{91240B29-F687-4f45-9708-019B960494DF}">
-            <a14:hiddenLine xmlns:a14="http://schemas.microsoft.com/office/drawing/2010/main" xmlns="" w="9525" cap="flat" cmpd="sng" algn="ctr">
+            <a14:hiddenLine xmlns="" xmlns:a14="http://schemas.microsoft.com/office/drawing/2010/main" w="9525" cap="flat" cmpd="sng" algn="ctr">
               <a:solidFill>
                 <a:schemeClr val="tx1"/>
               </a:solidFill>
@@ -22028,7 +22176,7 @@
             </a14:hiddenLine>
           </a:ext>
           <a:ext uri="{AF507438-7753-43e0-B8FC-AC1667EBCBE1}">
-            <a14:hiddenEffects xmlns:a14="http://schemas.microsoft.com/office/drawing/2010/main" xmlns="">
+            <a14:hiddenEffects xmlns="" xmlns:a14="http://schemas.microsoft.com/office/drawing/2010/main">
               <a:effectLst>
                 <a:outerShdw dist="35921" dir="2700000" algn="ctr" rotWithShape="0">
                   <a:schemeClr val="bg2"/>
